--- a/Offline/Marketing/Sales/Sales Material/AnodiamVisitingCards.pptx
+++ b/Offline/Marketing/Sales/Sales Material/AnodiamVisitingCards.pptx
@@ -7,8 +7,9 @@
   <p:sldIdLst>
     <p:sldId id="258" r:id="rId2"/>
     <p:sldId id="261" r:id="rId3"/>
-    <p:sldId id="257" r:id="rId4"/>
-    <p:sldId id="260" r:id="rId5"/>
+    <p:sldId id="260" r:id="rId4"/>
+    <p:sldId id="262" r:id="rId5"/>
+    <p:sldId id="263" r:id="rId6"/>
   </p:sldIdLst>
   <p:sldSz cx="12192000" cy="6858000"/>
   <p:notesSz cx="6858000" cy="9144000"/>
@@ -246,7 +247,7 @@
           <a:p>
             <a:fld id="{CA6D4F87-9B9E-4A4F-B3AC-3968D7D2EB59}" type="datetimeFigureOut">
               <a:rPr lang="en-AU" smtClean="0"/>
-              <a:t>13/05/2023</a:t>
+              <a:t>6/08/2023</a:t>
             </a:fld>
             <a:endParaRPr lang="en-AU"/>
           </a:p>
@@ -416,7 +417,7 @@
           <a:p>
             <a:fld id="{CA6D4F87-9B9E-4A4F-B3AC-3968D7D2EB59}" type="datetimeFigureOut">
               <a:rPr lang="en-AU" smtClean="0"/>
-              <a:t>13/05/2023</a:t>
+              <a:t>6/08/2023</a:t>
             </a:fld>
             <a:endParaRPr lang="en-AU"/>
           </a:p>
@@ -596,7 +597,7 @@
           <a:p>
             <a:fld id="{CA6D4F87-9B9E-4A4F-B3AC-3968D7D2EB59}" type="datetimeFigureOut">
               <a:rPr lang="en-AU" smtClean="0"/>
-              <a:t>13/05/2023</a:t>
+              <a:t>6/08/2023</a:t>
             </a:fld>
             <a:endParaRPr lang="en-AU"/>
           </a:p>
@@ -766,7 +767,7 @@
           <a:p>
             <a:fld id="{CA6D4F87-9B9E-4A4F-B3AC-3968D7D2EB59}" type="datetimeFigureOut">
               <a:rPr lang="en-AU" smtClean="0"/>
-              <a:t>13/05/2023</a:t>
+              <a:t>6/08/2023</a:t>
             </a:fld>
             <a:endParaRPr lang="en-AU"/>
           </a:p>
@@ -1012,7 +1013,7 @@
           <a:p>
             <a:fld id="{CA6D4F87-9B9E-4A4F-B3AC-3968D7D2EB59}" type="datetimeFigureOut">
               <a:rPr lang="en-AU" smtClean="0"/>
-              <a:t>13/05/2023</a:t>
+              <a:t>6/08/2023</a:t>
             </a:fld>
             <a:endParaRPr lang="en-AU"/>
           </a:p>
@@ -1244,7 +1245,7 @@
           <a:p>
             <a:fld id="{CA6D4F87-9B9E-4A4F-B3AC-3968D7D2EB59}" type="datetimeFigureOut">
               <a:rPr lang="en-AU" smtClean="0"/>
-              <a:t>13/05/2023</a:t>
+              <a:t>6/08/2023</a:t>
             </a:fld>
             <a:endParaRPr lang="en-AU"/>
           </a:p>
@@ -1611,7 +1612,7 @@
           <a:p>
             <a:fld id="{CA6D4F87-9B9E-4A4F-B3AC-3968D7D2EB59}" type="datetimeFigureOut">
               <a:rPr lang="en-AU" smtClean="0"/>
-              <a:t>13/05/2023</a:t>
+              <a:t>6/08/2023</a:t>
             </a:fld>
             <a:endParaRPr lang="en-AU"/>
           </a:p>
@@ -1729,7 +1730,7 @@
           <a:p>
             <a:fld id="{CA6D4F87-9B9E-4A4F-B3AC-3968D7D2EB59}" type="datetimeFigureOut">
               <a:rPr lang="en-AU" smtClean="0"/>
-              <a:t>13/05/2023</a:t>
+              <a:t>6/08/2023</a:t>
             </a:fld>
             <a:endParaRPr lang="en-AU"/>
           </a:p>
@@ -1824,7 +1825,7 @@
           <a:p>
             <a:fld id="{CA6D4F87-9B9E-4A4F-B3AC-3968D7D2EB59}" type="datetimeFigureOut">
               <a:rPr lang="en-AU" smtClean="0"/>
-              <a:t>13/05/2023</a:t>
+              <a:t>6/08/2023</a:t>
             </a:fld>
             <a:endParaRPr lang="en-AU"/>
           </a:p>
@@ -2101,7 +2102,7 @@
           <a:p>
             <a:fld id="{CA6D4F87-9B9E-4A4F-B3AC-3968D7D2EB59}" type="datetimeFigureOut">
               <a:rPr lang="en-AU" smtClean="0"/>
-              <a:t>13/05/2023</a:t>
+              <a:t>6/08/2023</a:t>
             </a:fld>
             <a:endParaRPr lang="en-AU"/>
           </a:p>
@@ -2354,7 +2355,7 @@
           <a:p>
             <a:fld id="{CA6D4F87-9B9E-4A4F-B3AC-3968D7D2EB59}" type="datetimeFigureOut">
               <a:rPr lang="en-AU" smtClean="0"/>
-              <a:t>13/05/2023</a:t>
+              <a:t>6/08/2023</a:t>
             </a:fld>
             <a:endParaRPr lang="en-AU"/>
           </a:p>
@@ -2567,7 +2568,7 @@
           <a:p>
             <a:fld id="{CA6D4F87-9B9E-4A4F-B3AC-3968D7D2EB59}" type="datetimeFigureOut">
               <a:rPr lang="en-AU" smtClean="0"/>
-              <a:t>13/05/2023</a:t>
+              <a:t>6/08/2023</a:t>
             </a:fld>
             <a:endParaRPr lang="en-AU"/>
           </a:p>
@@ -5122,1445 +5123,6 @@
       </p:grpSpPr>
       <p:sp>
         <p:nvSpPr>
-          <p:cNvPr id="8" name="Freeform 7"/>
-          <p:cNvSpPr/>
-          <p:nvPr/>
-        </p:nvSpPr>
-        <p:spPr>
-          <a:xfrm>
-            <a:off x="1971670" y="1311674"/>
-            <a:ext cx="7560000" cy="5040000"/>
-          </a:xfrm>
-          <a:custGeom>
-            <a:avLst/>
-            <a:gdLst>
-              <a:gd name="connsiteX0" fmla="*/ 1055455 w 8475260"/>
-              <a:gd name="connsiteY0" fmla="*/ 0 h 5431810"/>
-              <a:gd name="connsiteX1" fmla="*/ 7419805 w 8475260"/>
-              <a:gd name="connsiteY1" fmla="*/ 0 h 5431810"/>
-              <a:gd name="connsiteX2" fmla="*/ 7419824 w 8475260"/>
-              <a:gd name="connsiteY2" fmla="*/ 1 h 5431810"/>
-              <a:gd name="connsiteX3" fmla="*/ 8475260 w 8475260"/>
-              <a:gd name="connsiteY3" fmla="*/ 1 h 5431810"/>
-              <a:gd name="connsiteX4" fmla="*/ 8475260 w 8475260"/>
-              <a:gd name="connsiteY4" fmla="*/ 1055455 h 5431810"/>
-              <a:gd name="connsiteX5" fmla="*/ 8475260 w 8475260"/>
-              <a:gd name="connsiteY5" fmla="*/ 2606723 h 5431810"/>
-              <a:gd name="connsiteX6" fmla="*/ 8475260 w 8475260"/>
-              <a:gd name="connsiteY6" fmla="*/ 4376354 h 5431810"/>
-              <a:gd name="connsiteX7" fmla="*/ 7419805 w 8475260"/>
-              <a:gd name="connsiteY7" fmla="*/ 5431809 h 5431810"/>
-              <a:gd name="connsiteX8" fmla="*/ 4148920 w 8475260"/>
-              <a:gd name="connsiteY8" fmla="*/ 5431809 h 5431810"/>
-              <a:gd name="connsiteX9" fmla="*/ 4148920 w 8475260"/>
-              <a:gd name="connsiteY9" fmla="*/ 5431810 h 5431810"/>
-              <a:gd name="connsiteX10" fmla="*/ 0 w 8475260"/>
-              <a:gd name="connsiteY10" fmla="*/ 5431810 h 5431810"/>
-              <a:gd name="connsiteX11" fmla="*/ 0 w 8475260"/>
-              <a:gd name="connsiteY11" fmla="*/ 4376354 h 5431810"/>
-              <a:gd name="connsiteX12" fmla="*/ 0 w 8475260"/>
-              <a:gd name="connsiteY12" fmla="*/ 2825088 h 5431810"/>
-              <a:gd name="connsiteX13" fmla="*/ 0 w 8475260"/>
-              <a:gd name="connsiteY13" fmla="*/ 1055455 h 5431810"/>
-              <a:gd name="connsiteX14" fmla="*/ 1055455 w 8475260"/>
-              <a:gd name="connsiteY14" fmla="*/ 0 h 5431810"/>
-            </a:gdLst>
-            <a:ahLst/>
-            <a:cxnLst>
-              <a:cxn ang="0">
-                <a:pos x="connsiteX0" y="connsiteY0"/>
-              </a:cxn>
-              <a:cxn ang="0">
-                <a:pos x="connsiteX1" y="connsiteY1"/>
-              </a:cxn>
-              <a:cxn ang="0">
-                <a:pos x="connsiteX2" y="connsiteY2"/>
-              </a:cxn>
-              <a:cxn ang="0">
-                <a:pos x="connsiteX3" y="connsiteY3"/>
-              </a:cxn>
-              <a:cxn ang="0">
-                <a:pos x="connsiteX4" y="connsiteY4"/>
-              </a:cxn>
-              <a:cxn ang="0">
-                <a:pos x="connsiteX5" y="connsiteY5"/>
-              </a:cxn>
-              <a:cxn ang="0">
-                <a:pos x="connsiteX6" y="connsiteY6"/>
-              </a:cxn>
-              <a:cxn ang="0">
-                <a:pos x="connsiteX7" y="connsiteY7"/>
-              </a:cxn>
-              <a:cxn ang="0">
-                <a:pos x="connsiteX8" y="connsiteY8"/>
-              </a:cxn>
-              <a:cxn ang="0">
-                <a:pos x="connsiteX9" y="connsiteY9"/>
-              </a:cxn>
-              <a:cxn ang="0">
-                <a:pos x="connsiteX10" y="connsiteY10"/>
-              </a:cxn>
-              <a:cxn ang="0">
-                <a:pos x="connsiteX11" y="connsiteY11"/>
-              </a:cxn>
-              <a:cxn ang="0">
-                <a:pos x="connsiteX12" y="connsiteY12"/>
-              </a:cxn>
-              <a:cxn ang="0">
-                <a:pos x="connsiteX13" y="connsiteY13"/>
-              </a:cxn>
-              <a:cxn ang="0">
-                <a:pos x="connsiteX14" y="connsiteY14"/>
-              </a:cxn>
-            </a:cxnLst>
-            <a:rect l="l" t="t" r="r" b="b"/>
-            <a:pathLst>
-              <a:path w="8475260" h="5431810">
-                <a:moveTo>
-                  <a:pt x="1055455" y="0"/>
-                </a:moveTo>
-                <a:lnTo>
-                  <a:pt x="7419805" y="0"/>
-                </a:lnTo>
-                <a:lnTo>
-                  <a:pt x="7419824" y="1"/>
-                </a:lnTo>
-                <a:lnTo>
-                  <a:pt x="8475260" y="1"/>
-                </a:lnTo>
-                <a:lnTo>
-                  <a:pt x="8475260" y="1055455"/>
-                </a:lnTo>
-                <a:lnTo>
-                  <a:pt x="8475260" y="2606723"/>
-                </a:lnTo>
-                <a:lnTo>
-                  <a:pt x="8475260" y="4376354"/>
-                </a:lnTo>
-                <a:cubicBezTo>
-                  <a:pt x="8475260" y="4959266"/>
-                  <a:pt x="8002717" y="5431809"/>
-                  <a:pt x="7419805" y="5431809"/>
-                </a:cubicBezTo>
-                <a:lnTo>
-                  <a:pt x="4148920" y="5431809"/>
-                </a:lnTo>
-                <a:lnTo>
-                  <a:pt x="4148920" y="5431810"/>
-                </a:lnTo>
-                <a:lnTo>
-                  <a:pt x="0" y="5431810"/>
-                </a:lnTo>
-                <a:lnTo>
-                  <a:pt x="0" y="4376354"/>
-                </a:lnTo>
-                <a:lnTo>
-                  <a:pt x="0" y="2825088"/>
-                </a:lnTo>
-                <a:lnTo>
-                  <a:pt x="0" y="1055455"/>
-                </a:lnTo>
-                <a:cubicBezTo>
-                  <a:pt x="0" y="472543"/>
-                  <a:pt x="472543" y="0"/>
-                  <a:pt x="1055455" y="0"/>
-                </a:cubicBezTo>
-                <a:close/>
-              </a:path>
-            </a:pathLst>
-          </a:custGeom>
-          <a:solidFill>
-            <a:schemeClr val="bg1"/>
-          </a:solidFill>
-          <a:ln>
-            <a:noFill/>
-          </a:ln>
-          <a:effectLst>
-            <a:glow rad="228600">
-              <a:schemeClr val="accent3">
-                <a:satMod val="175000"/>
-                <a:alpha val="40000"/>
-              </a:schemeClr>
-            </a:glow>
-          </a:effectLst>
-        </p:spPr>
-        <p:style>
-          <a:lnRef idx="2">
-            <a:schemeClr val="accent1">
-              <a:shade val="50000"/>
-            </a:schemeClr>
-          </a:lnRef>
-          <a:fillRef idx="1">
-            <a:schemeClr val="accent1"/>
-          </a:fillRef>
-          <a:effectRef idx="0">
-            <a:schemeClr val="accent1"/>
-          </a:effectRef>
-          <a:fontRef idx="minor">
-            <a:schemeClr val="lt1"/>
-          </a:fontRef>
-        </p:style>
-        <p:txBody>
-          <a:bodyPr rtlCol="0" anchor="ctr"/>
-          <a:lstStyle/>
-          <a:p>
-            <a:pPr algn="ctr"/>
-            <a:r>
-              <a:rPr lang="en-AU" dirty="0">
-                <a:latin typeface="Oxygen" panose="02000503000000000000" pitchFamily="2" charset="0"/>
-              </a:rPr>
-              <a:t>e05a</a:t>
-            </a:r>
-          </a:p>
-        </p:txBody>
-      </p:sp>
-      <p:sp>
-        <p:nvSpPr>
-          <p:cNvPr id="2" name="TextBox 1"/>
-          <p:cNvSpPr txBox="1"/>
-          <p:nvPr/>
-        </p:nvSpPr>
-        <p:spPr>
-          <a:xfrm>
-            <a:off x="2486370" y="337130"/>
-            <a:ext cx="5987537" cy="523220"/>
-          </a:xfrm>
-          <a:prstGeom prst="rect">
-            <a:avLst/>
-          </a:prstGeom>
-          <a:noFill/>
-        </p:spPr>
-        <p:txBody>
-          <a:bodyPr wrap="none" rtlCol="0">
-            <a:spAutoFit/>
-          </a:bodyPr>
-          <a:lstStyle/>
-          <a:p>
-            <a:r>
-              <a:rPr lang="en-AU" sz="2800" b="1" u="sng" dirty="0">
-                <a:latin typeface="Oxygen" panose="02000503000000000000" pitchFamily="2" charset="0"/>
-              </a:rPr>
-              <a:t>Visiting Card – Manager In Charge</a:t>
-            </a:r>
-          </a:p>
-        </p:txBody>
-      </p:sp>
-      <p:grpSp>
-        <p:nvGrpSpPr>
-          <p:cNvPr id="7" name="Group 6"/>
-          <p:cNvGrpSpPr/>
-          <p:nvPr/>
-        </p:nvGrpSpPr>
-        <p:grpSpPr>
-          <a:xfrm>
-            <a:off x="2486370" y="3144685"/>
-            <a:ext cx="2471777" cy="1145370"/>
-            <a:chOff x="4600575" y="2600315"/>
-            <a:chExt cx="2990850" cy="1385897"/>
-          </a:xfrm>
-        </p:grpSpPr>
-        <p:pic>
-          <p:nvPicPr>
-            <p:cNvPr id="6" name="Picture 5"/>
-            <p:cNvPicPr>
-              <a:picLocks noChangeAspect="1"/>
-            </p:cNvPicPr>
-            <p:nvPr/>
-          </p:nvPicPr>
-          <p:blipFill>
-            <a:blip r:embed="rId2"/>
-            <a:stretch>
-              <a:fillRect/>
-            </a:stretch>
-          </p:blipFill>
-          <p:spPr>
-            <a:xfrm>
-              <a:off x="4600575" y="2871787"/>
-              <a:ext cx="2990850" cy="1114425"/>
-            </a:xfrm>
-            <a:prstGeom prst="rect">
-              <a:avLst/>
-            </a:prstGeom>
-          </p:spPr>
-        </p:pic>
-        <p:sp>
-          <p:nvSpPr>
-            <p:cNvPr id="10" name="Freeform 9"/>
-            <p:cNvSpPr/>
-            <p:nvPr/>
-          </p:nvSpPr>
-          <p:spPr>
-            <a:xfrm>
-              <a:off x="4739363" y="2600315"/>
-              <a:ext cx="971569" cy="971569"/>
-            </a:xfrm>
-            <a:custGeom>
-              <a:avLst/>
-              <a:gdLst>
-                <a:gd name="connsiteX0" fmla="*/ 1080000 w 2160000"/>
-                <a:gd name="connsiteY0" fmla="*/ 0 h 2160000"/>
-                <a:gd name="connsiteX1" fmla="*/ 2154424 w 2160000"/>
-                <a:gd name="connsiteY1" fmla="*/ 969576 h 2160000"/>
-                <a:gd name="connsiteX2" fmla="*/ 2157027 w 2160000"/>
-                <a:gd name="connsiteY2" fmla="*/ 1021127 h 2160000"/>
-                <a:gd name="connsiteX3" fmla="*/ 2159999 w 2160000"/>
-                <a:gd name="connsiteY3" fmla="*/ 1021127 h 2160000"/>
-                <a:gd name="connsiteX4" fmla="*/ 2159999 w 2160000"/>
-                <a:gd name="connsiteY4" fmla="*/ 1079980 h 2160000"/>
-                <a:gd name="connsiteX5" fmla="*/ 2160000 w 2160000"/>
-                <a:gd name="connsiteY5" fmla="*/ 1080000 h 2160000"/>
-                <a:gd name="connsiteX6" fmla="*/ 2159999 w 2160000"/>
-                <a:gd name="connsiteY6" fmla="*/ 1080021 h 2160000"/>
-                <a:gd name="connsiteX7" fmla="*/ 2159999 w 2160000"/>
-                <a:gd name="connsiteY7" fmla="*/ 1716639 h 2160000"/>
-                <a:gd name="connsiteX8" fmla="*/ 2157838 w 2160000"/>
-                <a:gd name="connsiteY8" fmla="*/ 1716639 h 2160000"/>
-                <a:gd name="connsiteX9" fmla="*/ 2160000 w 2160000"/>
-                <a:gd name="connsiteY9" fmla="*/ 1738544 h 2160000"/>
-                <a:gd name="connsiteX10" fmla="*/ 1891921 w 2160000"/>
-                <a:gd name="connsiteY10" fmla="*/ 2012333 h 2160000"/>
-                <a:gd name="connsiteX11" fmla="*/ 1623842 w 2160000"/>
-                <a:gd name="connsiteY11" fmla="*/ 1738544 h 2160000"/>
-                <a:gd name="connsiteX12" fmla="*/ 1626005 w 2160000"/>
-                <a:gd name="connsiteY12" fmla="*/ 1716639 h 2160000"/>
-                <a:gd name="connsiteX13" fmla="*/ 1620298 w 2160000"/>
-                <a:gd name="connsiteY13" fmla="*/ 1716639 h 2160000"/>
-                <a:gd name="connsiteX14" fmla="*/ 1620298 w 2160000"/>
-                <a:gd name="connsiteY14" fmla="*/ 1090950 h 2160000"/>
-                <a:gd name="connsiteX15" fmla="*/ 1618898 w 2160000"/>
-                <a:gd name="connsiteY15" fmla="*/ 1090937 h 2160000"/>
-                <a:gd name="connsiteX16" fmla="*/ 1620000 w 2160000"/>
-                <a:gd name="connsiteY16" fmla="*/ 1080000 h 2160000"/>
-                <a:gd name="connsiteX17" fmla="*/ 1080000 w 2160000"/>
-                <a:gd name="connsiteY17" fmla="*/ 540000 h 2160000"/>
-                <a:gd name="connsiteX18" fmla="*/ 540000 w 2160000"/>
-                <a:gd name="connsiteY18" fmla="*/ 1080000 h 2160000"/>
-                <a:gd name="connsiteX19" fmla="*/ 1080000 w 2160000"/>
-                <a:gd name="connsiteY19" fmla="*/ 1620000 h 2160000"/>
-                <a:gd name="connsiteX20" fmla="*/ 1172144 w 2160000"/>
-                <a:gd name="connsiteY20" fmla="*/ 1610711 h 2160000"/>
-                <a:gd name="connsiteX21" fmla="*/ 1192722 w 2160000"/>
-                <a:gd name="connsiteY21" fmla="*/ 1599542 h 2160000"/>
-                <a:gd name="connsiteX22" fmla="*/ 1205334 w 2160000"/>
-                <a:gd name="connsiteY22" fmla="*/ 1595627 h 2160000"/>
-                <a:gd name="connsiteX23" fmla="*/ 1218649 w 2160000"/>
-                <a:gd name="connsiteY23" fmla="*/ 1594482 h 2160000"/>
-                <a:gd name="connsiteX24" fmla="*/ 1273176 w 2160000"/>
-                <a:gd name="connsiteY24" fmla="*/ 1581875 h 2160000"/>
-                <a:gd name="connsiteX25" fmla="*/ 1277433 w 2160000"/>
-                <a:gd name="connsiteY25" fmla="*/ 1580379 h 2160000"/>
-                <a:gd name="connsiteX26" fmla="*/ 1297818 w 2160000"/>
-                <a:gd name="connsiteY26" fmla="*/ 1578324 h 2160000"/>
-                <a:gd name="connsiteX27" fmla="*/ 1567818 w 2160000"/>
-                <a:gd name="connsiteY27" fmla="*/ 1848324 h 2160000"/>
-                <a:gd name="connsiteX28" fmla="*/ 1469563 w 2160000"/>
-                <a:gd name="connsiteY28" fmla="*/ 2056669 h 2160000"/>
-                <a:gd name="connsiteX29" fmla="*/ 1412948 w 2160000"/>
-                <a:gd name="connsiteY29" fmla="*/ 2091019 h 2160000"/>
-                <a:gd name="connsiteX30" fmla="*/ 1398272 w 2160000"/>
-                <a:gd name="connsiteY30" fmla="*/ 2101498 h 2160000"/>
-                <a:gd name="connsiteX31" fmla="*/ 1374464 w 2160000"/>
-                <a:gd name="connsiteY31" fmla="*/ 2110955 h 2160000"/>
-                <a:gd name="connsiteX32" fmla="*/ 1376211 w 2160000"/>
-                <a:gd name="connsiteY32" fmla="*/ 2117860 h 2160000"/>
-                <a:gd name="connsiteX33" fmla="*/ 1321962 w 2160000"/>
-                <a:gd name="connsiteY33" fmla="*/ 2131809 h 2160000"/>
-                <a:gd name="connsiteX34" fmla="*/ 1306247 w 2160000"/>
-                <a:gd name="connsiteY34" fmla="*/ 2138051 h 2160000"/>
-                <a:gd name="connsiteX35" fmla="*/ 1267530 w 2160000"/>
-                <a:gd name="connsiteY35" fmla="*/ 2142656 h 2160000"/>
-                <a:gd name="connsiteX36" fmla="*/ 1190424 w 2160000"/>
-                <a:gd name="connsiteY36" fmla="*/ 2154424 h 2160000"/>
-                <a:gd name="connsiteX37" fmla="*/ 1080000 w 2160000"/>
-                <a:gd name="connsiteY37" fmla="*/ 2160000 h 2160000"/>
-                <a:gd name="connsiteX38" fmla="*/ 0 w 2160000"/>
-                <a:gd name="connsiteY38" fmla="*/ 1080000 h 2160000"/>
-                <a:gd name="connsiteX39" fmla="*/ 1080000 w 2160000"/>
-                <a:gd name="connsiteY39" fmla="*/ 0 h 2160000"/>
-              </a:gdLst>
-              <a:ahLst/>
-              <a:cxnLst>
-                <a:cxn ang="0">
-                  <a:pos x="connsiteX0" y="connsiteY0"/>
-                </a:cxn>
-                <a:cxn ang="0">
-                  <a:pos x="connsiteX1" y="connsiteY1"/>
-                </a:cxn>
-                <a:cxn ang="0">
-                  <a:pos x="connsiteX2" y="connsiteY2"/>
-                </a:cxn>
-                <a:cxn ang="0">
-                  <a:pos x="connsiteX3" y="connsiteY3"/>
-                </a:cxn>
-                <a:cxn ang="0">
-                  <a:pos x="connsiteX4" y="connsiteY4"/>
-                </a:cxn>
-                <a:cxn ang="0">
-                  <a:pos x="connsiteX5" y="connsiteY5"/>
-                </a:cxn>
-                <a:cxn ang="0">
-                  <a:pos x="connsiteX6" y="connsiteY6"/>
-                </a:cxn>
-                <a:cxn ang="0">
-                  <a:pos x="connsiteX7" y="connsiteY7"/>
-                </a:cxn>
-                <a:cxn ang="0">
-                  <a:pos x="connsiteX8" y="connsiteY8"/>
-                </a:cxn>
-                <a:cxn ang="0">
-                  <a:pos x="connsiteX9" y="connsiteY9"/>
-                </a:cxn>
-                <a:cxn ang="0">
-                  <a:pos x="connsiteX10" y="connsiteY10"/>
-                </a:cxn>
-                <a:cxn ang="0">
-                  <a:pos x="connsiteX11" y="connsiteY11"/>
-                </a:cxn>
-                <a:cxn ang="0">
-                  <a:pos x="connsiteX12" y="connsiteY12"/>
-                </a:cxn>
-                <a:cxn ang="0">
-                  <a:pos x="connsiteX13" y="connsiteY13"/>
-                </a:cxn>
-                <a:cxn ang="0">
-                  <a:pos x="connsiteX14" y="connsiteY14"/>
-                </a:cxn>
-                <a:cxn ang="0">
-                  <a:pos x="connsiteX15" y="connsiteY15"/>
-                </a:cxn>
-                <a:cxn ang="0">
-                  <a:pos x="connsiteX16" y="connsiteY16"/>
-                </a:cxn>
-                <a:cxn ang="0">
-                  <a:pos x="connsiteX17" y="connsiteY17"/>
-                </a:cxn>
-                <a:cxn ang="0">
-                  <a:pos x="connsiteX18" y="connsiteY18"/>
-                </a:cxn>
-                <a:cxn ang="0">
-                  <a:pos x="connsiteX19" y="connsiteY19"/>
-                </a:cxn>
-                <a:cxn ang="0">
-                  <a:pos x="connsiteX20" y="connsiteY20"/>
-                </a:cxn>
-                <a:cxn ang="0">
-                  <a:pos x="connsiteX21" y="connsiteY21"/>
-                </a:cxn>
-                <a:cxn ang="0">
-                  <a:pos x="connsiteX22" y="connsiteY22"/>
-                </a:cxn>
-                <a:cxn ang="0">
-                  <a:pos x="connsiteX23" y="connsiteY23"/>
-                </a:cxn>
-                <a:cxn ang="0">
-                  <a:pos x="connsiteX24" y="connsiteY24"/>
-                </a:cxn>
-                <a:cxn ang="0">
-                  <a:pos x="connsiteX25" y="connsiteY25"/>
-                </a:cxn>
-                <a:cxn ang="0">
-                  <a:pos x="connsiteX26" y="connsiteY26"/>
-                </a:cxn>
-                <a:cxn ang="0">
-                  <a:pos x="connsiteX27" y="connsiteY27"/>
-                </a:cxn>
-                <a:cxn ang="0">
-                  <a:pos x="connsiteX28" y="connsiteY28"/>
-                </a:cxn>
-                <a:cxn ang="0">
-                  <a:pos x="connsiteX29" y="connsiteY29"/>
-                </a:cxn>
-                <a:cxn ang="0">
-                  <a:pos x="connsiteX30" y="connsiteY30"/>
-                </a:cxn>
-                <a:cxn ang="0">
-                  <a:pos x="connsiteX31" y="connsiteY31"/>
-                </a:cxn>
-                <a:cxn ang="0">
-                  <a:pos x="connsiteX32" y="connsiteY32"/>
-                </a:cxn>
-                <a:cxn ang="0">
-                  <a:pos x="connsiteX33" y="connsiteY33"/>
-                </a:cxn>
-                <a:cxn ang="0">
-                  <a:pos x="connsiteX34" y="connsiteY34"/>
-                </a:cxn>
-                <a:cxn ang="0">
-                  <a:pos x="connsiteX35" y="connsiteY35"/>
-                </a:cxn>
-                <a:cxn ang="0">
-                  <a:pos x="connsiteX36" y="connsiteY36"/>
-                </a:cxn>
-                <a:cxn ang="0">
-                  <a:pos x="connsiteX37" y="connsiteY37"/>
-                </a:cxn>
-                <a:cxn ang="0">
-                  <a:pos x="connsiteX38" y="connsiteY38"/>
-                </a:cxn>
-                <a:cxn ang="0">
-                  <a:pos x="connsiteX39" y="connsiteY39"/>
-                </a:cxn>
-              </a:cxnLst>
-              <a:rect l="l" t="t" r="r" b="b"/>
-              <a:pathLst>
-                <a:path w="2160000" h="2160000">
-                  <a:moveTo>
-                    <a:pt x="1080000" y="0"/>
-                  </a:moveTo>
-                  <a:cubicBezTo>
-                    <a:pt x="1639189" y="0"/>
-                    <a:pt x="2099117" y="424979"/>
-                    <a:pt x="2154424" y="969576"/>
-                  </a:cubicBezTo>
-                  <a:lnTo>
-                    <a:pt x="2157027" y="1021127"/>
-                  </a:lnTo>
-                  <a:lnTo>
-                    <a:pt x="2159999" y="1021127"/>
-                  </a:lnTo>
-                  <a:lnTo>
-                    <a:pt x="2159999" y="1079980"/>
-                  </a:lnTo>
-                  <a:lnTo>
-                    <a:pt x="2160000" y="1080000"/>
-                  </a:lnTo>
-                  <a:lnTo>
-                    <a:pt x="2159999" y="1080021"/>
-                  </a:lnTo>
-                  <a:lnTo>
-                    <a:pt x="2159999" y="1716639"/>
-                  </a:lnTo>
-                  <a:lnTo>
-                    <a:pt x="2157838" y="1716639"/>
-                  </a:lnTo>
-                  <a:lnTo>
-                    <a:pt x="2160000" y="1738544"/>
-                  </a:lnTo>
-                  <a:cubicBezTo>
-                    <a:pt x="2160000" y="1889753"/>
-                    <a:pt x="2039977" y="2012333"/>
-                    <a:pt x="1891921" y="2012333"/>
-                  </a:cubicBezTo>
-                  <a:cubicBezTo>
-                    <a:pt x="1743865" y="2012333"/>
-                    <a:pt x="1623842" y="1889753"/>
-                    <a:pt x="1623842" y="1738544"/>
-                  </a:cubicBezTo>
-                  <a:lnTo>
-                    <a:pt x="1626005" y="1716639"/>
-                  </a:lnTo>
-                  <a:lnTo>
-                    <a:pt x="1620298" y="1716639"/>
-                  </a:lnTo>
-                  <a:lnTo>
-                    <a:pt x="1620298" y="1090950"/>
-                  </a:lnTo>
-                  <a:lnTo>
-                    <a:pt x="1618898" y="1090937"/>
-                  </a:lnTo>
-                  <a:lnTo>
-                    <a:pt x="1620000" y="1080000"/>
-                  </a:lnTo>
-                  <a:cubicBezTo>
-                    <a:pt x="1620000" y="781766"/>
-                    <a:pt x="1378234" y="540000"/>
-                    <a:pt x="1080000" y="540000"/>
-                  </a:cubicBezTo>
-                  <a:cubicBezTo>
-                    <a:pt x="781766" y="540000"/>
-                    <a:pt x="540000" y="781766"/>
-                    <a:pt x="540000" y="1080000"/>
-                  </a:cubicBezTo>
-                  <a:cubicBezTo>
-                    <a:pt x="540000" y="1378234"/>
-                    <a:pt x="781766" y="1620000"/>
-                    <a:pt x="1080000" y="1620000"/>
-                  </a:cubicBezTo>
-                  <a:lnTo>
-                    <a:pt x="1172144" y="1610711"/>
-                  </a:lnTo>
-                  <a:lnTo>
-                    <a:pt x="1192722" y="1599542"/>
-                  </a:lnTo>
-                  <a:lnTo>
-                    <a:pt x="1205334" y="1595627"/>
-                  </a:lnTo>
-                  <a:lnTo>
-                    <a:pt x="1218649" y="1594482"/>
-                  </a:lnTo>
-                  <a:cubicBezTo>
-                    <a:pt x="1237851" y="1591023"/>
-                    <a:pt x="1256099" y="1586790"/>
-                    <a:pt x="1273176" y="1581875"/>
-                  </a:cubicBezTo>
-                  <a:lnTo>
-                    <a:pt x="1277433" y="1580379"/>
-                  </a:lnTo>
-                  <a:lnTo>
-                    <a:pt x="1297818" y="1578324"/>
-                  </a:lnTo>
-                  <a:cubicBezTo>
-                    <a:pt x="1446935" y="1578324"/>
-                    <a:pt x="1567818" y="1699207"/>
-                    <a:pt x="1567818" y="1848324"/>
-                  </a:cubicBezTo>
-                  <a:cubicBezTo>
-                    <a:pt x="1567818" y="1932202"/>
-                    <a:pt x="1529570" y="2007147"/>
-                    <a:pt x="1469563" y="2056669"/>
-                  </a:cubicBezTo>
-                  <a:lnTo>
-                    <a:pt x="1412948" y="2091019"/>
-                  </a:lnTo>
-                  <a:lnTo>
-                    <a:pt x="1398272" y="2101498"/>
-                  </a:lnTo>
-                  <a:lnTo>
-                    <a:pt x="1374464" y="2110955"/>
-                  </a:lnTo>
-                  <a:lnTo>
-                    <a:pt x="1376211" y="2117860"/>
-                  </a:lnTo>
-                  <a:lnTo>
-                    <a:pt x="1321962" y="2131809"/>
-                  </a:lnTo>
-                  <a:lnTo>
-                    <a:pt x="1306247" y="2138051"/>
-                  </a:lnTo>
-                  <a:lnTo>
-                    <a:pt x="1267530" y="2142656"/>
-                  </a:lnTo>
-                  <a:lnTo>
-                    <a:pt x="1190424" y="2154424"/>
-                  </a:lnTo>
-                  <a:cubicBezTo>
-                    <a:pt x="1154118" y="2158111"/>
-                    <a:pt x="1117280" y="2160000"/>
-                    <a:pt x="1080000" y="2160000"/>
-                  </a:cubicBezTo>
-                  <a:cubicBezTo>
-                    <a:pt x="483532" y="2160000"/>
-                    <a:pt x="0" y="1676468"/>
-                    <a:pt x="0" y="1080000"/>
-                  </a:cubicBezTo>
-                  <a:cubicBezTo>
-                    <a:pt x="0" y="483532"/>
-                    <a:pt x="483532" y="0"/>
-                    <a:pt x="1080000" y="0"/>
-                  </a:cubicBezTo>
-                  <a:close/>
-                </a:path>
-              </a:pathLst>
-            </a:custGeom>
-            <a:solidFill>
-              <a:srgbClr val="FF8C52"/>
-            </a:solidFill>
-            <a:ln>
-              <a:solidFill>
-                <a:srgbClr val="FF8C52"/>
-              </a:solidFill>
-            </a:ln>
-          </p:spPr>
-          <p:style>
-            <a:lnRef idx="2">
-              <a:schemeClr val="accent1">
-                <a:shade val="50000"/>
-              </a:schemeClr>
-            </a:lnRef>
-            <a:fillRef idx="1">
-              <a:schemeClr val="accent1"/>
-            </a:fillRef>
-            <a:effectRef idx="0">
-              <a:schemeClr val="accent1"/>
-            </a:effectRef>
-            <a:fontRef idx="minor">
-              <a:schemeClr val="lt1"/>
-            </a:fontRef>
-          </p:style>
-          <p:txBody>
-            <a:bodyPr rtlCol="0" anchor="ctr"/>
-            <a:lstStyle/>
-            <a:p>
-              <a:pPr algn="ctr"/>
-              <a:endParaRPr lang="en-AU" dirty="0">
-                <a:latin typeface="Oxygen" panose="02000503000000000000" pitchFamily="2" charset="0"/>
-              </a:endParaRPr>
-            </a:p>
-          </p:txBody>
-        </p:sp>
-      </p:grpSp>
-      <p:sp>
-        <p:nvSpPr>
-          <p:cNvPr id="13" name="Rectangle 12"/>
-          <p:cNvSpPr/>
-          <p:nvPr/>
-        </p:nvSpPr>
-        <p:spPr>
-          <a:xfrm>
-            <a:off x="5329234" y="1311674"/>
-            <a:ext cx="36000" cy="5040000"/>
-          </a:xfrm>
-          <a:prstGeom prst="rect">
-            <a:avLst/>
-          </a:prstGeom>
-          <a:gradFill>
-            <a:gsLst>
-              <a:gs pos="0">
-                <a:schemeClr val="bg1"/>
-              </a:gs>
-              <a:gs pos="60000">
-                <a:srgbClr val="FF8C52"/>
-              </a:gs>
-              <a:gs pos="40000">
-                <a:srgbClr val="FF8C52"/>
-              </a:gs>
-              <a:gs pos="20000">
-                <a:schemeClr val="bg1"/>
-              </a:gs>
-              <a:gs pos="80000">
-                <a:schemeClr val="bg1"/>
-              </a:gs>
-              <a:gs pos="100000">
-                <a:schemeClr val="bg1"/>
-              </a:gs>
-            </a:gsLst>
-            <a:lin ang="5400000" scaled="1"/>
-          </a:gradFill>
-          <a:ln>
-            <a:noFill/>
-          </a:ln>
-        </p:spPr>
-        <p:style>
-          <a:lnRef idx="2">
-            <a:schemeClr val="accent1">
-              <a:shade val="50000"/>
-            </a:schemeClr>
-          </a:lnRef>
-          <a:fillRef idx="1">
-            <a:schemeClr val="accent1"/>
-          </a:fillRef>
-          <a:effectRef idx="0">
-            <a:schemeClr val="accent1"/>
-          </a:effectRef>
-          <a:fontRef idx="minor">
-            <a:schemeClr val="lt1"/>
-          </a:fontRef>
-        </p:style>
-        <p:txBody>
-          <a:bodyPr rtlCol="0" anchor="ctr"/>
-          <a:lstStyle/>
-          <a:p>
-            <a:pPr algn="ctr"/>
-            <a:endParaRPr lang="en-AU">
-              <a:latin typeface="Oxygen" panose="02000503000000000000" pitchFamily="2" charset="0"/>
-            </a:endParaRPr>
-          </a:p>
-        </p:txBody>
-      </p:sp>
-      <p:sp>
-        <p:nvSpPr>
-          <p:cNvPr id="14" name="TextBox 13"/>
-          <p:cNvSpPr txBox="1"/>
-          <p:nvPr/>
-        </p:nvSpPr>
-        <p:spPr>
-          <a:xfrm>
-            <a:off x="6150551" y="2336130"/>
-            <a:ext cx="2730235" cy="2508379"/>
-          </a:xfrm>
-          <a:prstGeom prst="rect">
-            <a:avLst/>
-          </a:prstGeom>
-          <a:noFill/>
-        </p:spPr>
-        <p:txBody>
-          <a:bodyPr wrap="none" rtlCol="0">
-            <a:spAutoFit/>
-          </a:bodyPr>
-          <a:lstStyle/>
-          <a:p>
-            <a:pPr>
-              <a:spcAft>
-                <a:spcPts val="600"/>
-              </a:spcAft>
-            </a:pPr>
-            <a:r>
-              <a:rPr lang="en-AU" b="1" dirty="0">
-                <a:latin typeface="Oxygen" panose="02000503000000000000" pitchFamily="2" charset="0"/>
-              </a:rPr>
-              <a:t>Mr. Shantanu Ghosh</a:t>
-            </a:r>
-          </a:p>
-          <a:p>
-            <a:pPr>
-              <a:lnSpc>
-                <a:spcPct val="250000"/>
-              </a:lnSpc>
-              <a:spcAft>
-                <a:spcPts val="600"/>
-              </a:spcAft>
-            </a:pPr>
-            <a:r>
-              <a:rPr lang="en-AU" sz="1400" b="1" dirty="0">
-                <a:latin typeface="Oxygen" panose="02000503000000000000" pitchFamily="2" charset="0"/>
-              </a:rPr>
-              <a:t>Manager - In Charge</a:t>
-            </a:r>
-          </a:p>
-          <a:p>
-            <a:pPr>
-              <a:lnSpc>
-                <a:spcPct val="150000"/>
-              </a:lnSpc>
-              <a:spcAft>
-                <a:spcPts val="600"/>
-              </a:spcAft>
-            </a:pPr>
-            <a:r>
-              <a:rPr lang="en-AU" sz="1400" b="1" dirty="0">
-                <a:latin typeface="Oxygen" panose="02000503000000000000" pitchFamily="2" charset="0"/>
-              </a:rPr>
-              <a:t>      </a:t>
-            </a:r>
-            <a:r>
-              <a:rPr lang="en-AU" sz="1400" b="1" u="sng" dirty="0">
-                <a:solidFill>
-                  <a:srgbClr val="002060"/>
-                </a:solidFill>
-                <a:latin typeface="Oxygen" panose="02000503000000000000" pitchFamily="2" charset="0"/>
-              </a:rPr>
-              <a:t>anodiam.sg@gmail.com</a:t>
-            </a:r>
-          </a:p>
-          <a:p>
-            <a:pPr>
-              <a:lnSpc>
-                <a:spcPct val="150000"/>
-              </a:lnSpc>
-              <a:spcAft>
-                <a:spcPts val="600"/>
-              </a:spcAft>
-            </a:pPr>
-            <a:r>
-              <a:rPr lang="en-AU" sz="1400" b="1" dirty="0">
-                <a:latin typeface="Oxygen" panose="02000503000000000000" pitchFamily="2" charset="0"/>
-              </a:rPr>
-              <a:t>      +91 91636 85448</a:t>
-            </a:r>
-          </a:p>
-          <a:p>
-            <a:r>
-              <a:rPr lang="en-AU" sz="1400" b="1" dirty="0">
-                <a:latin typeface="Oxygen" panose="02000503000000000000" pitchFamily="2" charset="0"/>
-              </a:rPr>
-              <a:t>       N – 1/25 Patuli</a:t>
-            </a:r>
-          </a:p>
-          <a:p>
-            <a:r>
-              <a:rPr lang="en-AU" sz="1400" b="1" dirty="0">
-                <a:latin typeface="Oxygen" panose="02000503000000000000" pitchFamily="2" charset="0"/>
-              </a:rPr>
-              <a:t>       Near Krishi Bikash Kendra</a:t>
-            </a:r>
-          </a:p>
-          <a:p>
-            <a:r>
-              <a:rPr lang="en-AU" sz="1400" b="1" dirty="0">
-                <a:latin typeface="Oxygen" panose="02000503000000000000" pitchFamily="2" charset="0"/>
-              </a:rPr>
-              <a:t>       Kolkata 700094</a:t>
-            </a:r>
-          </a:p>
-        </p:txBody>
-      </p:sp>
-      <p:sp>
-        <p:nvSpPr>
-          <p:cNvPr id="5" name="Rectangle 4"/>
-          <p:cNvSpPr/>
-          <p:nvPr/>
-        </p:nvSpPr>
-        <p:spPr>
-          <a:xfrm>
-            <a:off x="6417042" y="4840409"/>
-            <a:ext cx="1880643" cy="400110"/>
-          </a:xfrm>
-          <a:prstGeom prst="rect">
-            <a:avLst/>
-          </a:prstGeom>
-        </p:spPr>
-        <p:txBody>
-          <a:bodyPr wrap="none">
-            <a:spAutoFit/>
-          </a:bodyPr>
-          <a:lstStyle/>
-          <a:p>
-            <a:r>
-              <a:rPr lang="en-AU" b="1" dirty="0">
-                <a:solidFill>
-                  <a:srgbClr val="002060"/>
-                </a:solidFill>
-                <a:latin typeface="Oxygen" panose="02000503000000000000" pitchFamily="2" charset="0"/>
-              </a:rPr>
-              <a:t> </a:t>
-            </a:r>
-            <a:r>
-              <a:rPr lang="en-AU" sz="2000" b="1" dirty="0">
-                <a:solidFill>
-                  <a:srgbClr val="002060"/>
-                </a:solidFill>
-                <a:latin typeface="Oxygen" panose="02000503000000000000" pitchFamily="2" charset="0"/>
-              </a:rPr>
-              <a:t>anodiam.com</a:t>
-            </a:r>
-            <a:endParaRPr lang="en-AU" sz="2000" dirty="0">
-              <a:latin typeface="Oxygen" panose="02000503000000000000" pitchFamily="2" charset="0"/>
-            </a:endParaRPr>
-          </a:p>
-        </p:txBody>
-      </p:sp>
-      <p:sp>
-        <p:nvSpPr>
-          <p:cNvPr id="16" name="Freeform: Shape 15">
-            <a:extLst>
-              <a:ext uri="{FF2B5EF4-FFF2-40B4-BE49-F238E27FC236}">
-                <a16:creationId xmlns:a16="http://schemas.microsoft.com/office/drawing/2014/main" id="{D38DBF44-8A81-464F-91B6-463A45F8BF41}"/>
-              </a:ext>
-            </a:extLst>
-          </p:cNvPr>
-          <p:cNvSpPr/>
-          <p:nvPr/>
-        </p:nvSpPr>
-        <p:spPr>
-          <a:xfrm rot="8100000">
-            <a:off x="6202742" y="4123287"/>
-            <a:ext cx="252000" cy="252000"/>
-          </a:xfrm>
-          <a:custGeom>
-            <a:avLst/>
-            <a:gdLst>
-              <a:gd name="connsiteX0" fmla="*/ 93671 w 252000"/>
-              <a:gd name="connsiteY0" fmla="*/ 158330 h 252000"/>
-              <a:gd name="connsiteX1" fmla="*/ 158329 w 252000"/>
-              <a:gd name="connsiteY1" fmla="*/ 158330 h 252000"/>
-              <a:gd name="connsiteX2" fmla="*/ 158329 w 252000"/>
-              <a:gd name="connsiteY2" fmla="*/ 93672 h 252000"/>
-              <a:gd name="connsiteX3" fmla="*/ 93671 w 252000"/>
-              <a:gd name="connsiteY3" fmla="*/ 93672 h 252000"/>
-              <a:gd name="connsiteX4" fmla="*/ 93671 w 252000"/>
-              <a:gd name="connsiteY4" fmla="*/ 158330 h 252000"/>
-              <a:gd name="connsiteX5" fmla="*/ 36905 w 252000"/>
-              <a:gd name="connsiteY5" fmla="*/ 215095 h 252000"/>
-              <a:gd name="connsiteX6" fmla="*/ 0 w 252000"/>
-              <a:gd name="connsiteY6" fmla="*/ 126000 h 252000"/>
-              <a:gd name="connsiteX7" fmla="*/ 126000 w 252000"/>
-              <a:gd name="connsiteY7" fmla="*/ 0 h 252000"/>
-              <a:gd name="connsiteX8" fmla="*/ 252000 w 252000"/>
-              <a:gd name="connsiteY8" fmla="*/ 0 h 252000"/>
-              <a:gd name="connsiteX9" fmla="*/ 252000 w 252000"/>
-              <a:gd name="connsiteY9" fmla="*/ 126000 h 252000"/>
-              <a:gd name="connsiteX10" fmla="*/ 126000 w 252000"/>
-              <a:gd name="connsiteY10" fmla="*/ 252000 h 252000"/>
-              <a:gd name="connsiteX11" fmla="*/ 36905 w 252000"/>
-              <a:gd name="connsiteY11" fmla="*/ 215095 h 252000"/>
-            </a:gdLst>
-            <a:ahLst/>
-            <a:cxnLst>
-              <a:cxn ang="0">
-                <a:pos x="connsiteX0" y="connsiteY0"/>
-              </a:cxn>
-              <a:cxn ang="0">
-                <a:pos x="connsiteX1" y="connsiteY1"/>
-              </a:cxn>
-              <a:cxn ang="0">
-                <a:pos x="connsiteX2" y="connsiteY2"/>
-              </a:cxn>
-              <a:cxn ang="0">
-                <a:pos x="connsiteX3" y="connsiteY3"/>
-              </a:cxn>
-              <a:cxn ang="0">
-                <a:pos x="connsiteX4" y="connsiteY4"/>
-              </a:cxn>
-              <a:cxn ang="0">
-                <a:pos x="connsiteX5" y="connsiteY5"/>
-              </a:cxn>
-              <a:cxn ang="0">
-                <a:pos x="connsiteX6" y="connsiteY6"/>
-              </a:cxn>
-              <a:cxn ang="0">
-                <a:pos x="connsiteX7" y="connsiteY7"/>
-              </a:cxn>
-              <a:cxn ang="0">
-                <a:pos x="connsiteX8" y="connsiteY8"/>
-              </a:cxn>
-              <a:cxn ang="0">
-                <a:pos x="connsiteX9" y="connsiteY9"/>
-              </a:cxn>
-              <a:cxn ang="0">
-                <a:pos x="connsiteX10" y="connsiteY10"/>
-              </a:cxn>
-              <a:cxn ang="0">
-                <a:pos x="connsiteX11" y="connsiteY11"/>
-              </a:cxn>
-            </a:cxnLst>
-            <a:rect l="l" t="t" r="r" b="b"/>
-            <a:pathLst>
-              <a:path w="252000" h="252000">
-                <a:moveTo>
-                  <a:pt x="93671" y="158330"/>
-                </a:moveTo>
-                <a:cubicBezTo>
-                  <a:pt x="111526" y="176185"/>
-                  <a:pt x="140474" y="176185"/>
-                  <a:pt x="158329" y="158330"/>
-                </a:cubicBezTo>
-                <a:cubicBezTo>
-                  <a:pt x="176183" y="140476"/>
-                  <a:pt x="176183" y="111527"/>
-                  <a:pt x="158329" y="93672"/>
-                </a:cubicBezTo>
-                <a:cubicBezTo>
-                  <a:pt x="140474" y="75818"/>
-                  <a:pt x="111526" y="75818"/>
-                  <a:pt x="93671" y="93672"/>
-                </a:cubicBezTo>
-                <a:cubicBezTo>
-                  <a:pt x="75817" y="111527"/>
-                  <a:pt x="75817" y="140476"/>
-                  <a:pt x="93671" y="158330"/>
-                </a:cubicBezTo>
-                <a:close/>
-                <a:moveTo>
-                  <a:pt x="36905" y="215095"/>
-                </a:moveTo>
-                <a:cubicBezTo>
-                  <a:pt x="14103" y="192294"/>
-                  <a:pt x="0" y="160794"/>
-                  <a:pt x="0" y="126000"/>
-                </a:cubicBezTo>
-                <a:cubicBezTo>
-                  <a:pt x="0" y="56412"/>
-                  <a:pt x="56412" y="0"/>
-                  <a:pt x="126000" y="0"/>
-                </a:cubicBezTo>
-                <a:lnTo>
-                  <a:pt x="252000" y="0"/>
-                </a:lnTo>
-                <a:lnTo>
-                  <a:pt x="252000" y="126000"/>
-                </a:lnTo>
-                <a:cubicBezTo>
-                  <a:pt x="252000" y="195588"/>
-                  <a:pt x="195588" y="252000"/>
-                  <a:pt x="126000" y="252000"/>
-                </a:cubicBezTo>
-                <a:cubicBezTo>
-                  <a:pt x="91206" y="252000"/>
-                  <a:pt x="59706" y="237897"/>
-                  <a:pt x="36905" y="215095"/>
-                </a:cubicBezTo>
-                <a:close/>
-              </a:path>
-            </a:pathLst>
-          </a:custGeom>
-          <a:solidFill>
-            <a:srgbClr val="FF8C52"/>
-          </a:solidFill>
-          <a:ln>
-            <a:noFill/>
-          </a:ln>
-        </p:spPr>
-        <p:style>
-          <a:lnRef idx="2">
-            <a:schemeClr val="accent1">
-              <a:shade val="50000"/>
-            </a:schemeClr>
-          </a:lnRef>
-          <a:fillRef idx="1">
-            <a:schemeClr val="accent1"/>
-          </a:fillRef>
-          <a:effectRef idx="0">
-            <a:schemeClr val="accent1"/>
-          </a:effectRef>
-          <a:fontRef idx="minor">
-            <a:schemeClr val="lt1"/>
-          </a:fontRef>
-        </p:style>
-        <p:txBody>
-          <a:bodyPr wrap="square" rtlCol="0" anchor="ctr">
-            <a:noAutofit/>
-          </a:bodyPr>
-          <a:lstStyle/>
-          <a:p>
-            <a:pPr algn="ctr"/>
-            <a:endParaRPr lang="en-AU"/>
-          </a:p>
-        </p:txBody>
-      </p:sp>
-      <p:sp>
-        <p:nvSpPr>
-          <p:cNvPr id="17" name="Isosceles Triangle 16">
-            <a:extLst>
-              <a:ext uri="{FF2B5EF4-FFF2-40B4-BE49-F238E27FC236}">
-                <a16:creationId xmlns:a16="http://schemas.microsoft.com/office/drawing/2014/main" id="{CD320746-3B0E-4A36-A31F-5357A6F7439B}"/>
-              </a:ext>
-            </a:extLst>
-          </p:cNvPr>
-          <p:cNvSpPr/>
-          <p:nvPr/>
-        </p:nvSpPr>
-        <p:spPr>
-          <a:xfrm>
-            <a:off x="6205943" y="3362783"/>
-            <a:ext cx="248888" cy="123663"/>
-          </a:xfrm>
-          <a:prstGeom prst="triangle">
-            <a:avLst/>
-          </a:prstGeom>
-          <a:solidFill>
-            <a:srgbClr val="FF8C52"/>
-          </a:solidFill>
-          <a:ln>
-            <a:noFill/>
-          </a:ln>
-        </p:spPr>
-        <p:style>
-          <a:lnRef idx="2">
-            <a:schemeClr val="accent1">
-              <a:shade val="50000"/>
-            </a:schemeClr>
-          </a:lnRef>
-          <a:fillRef idx="1">
-            <a:schemeClr val="accent1"/>
-          </a:fillRef>
-          <a:effectRef idx="0">
-            <a:schemeClr val="accent1"/>
-          </a:effectRef>
-          <a:fontRef idx="minor">
-            <a:schemeClr val="lt1"/>
-          </a:fontRef>
-        </p:style>
-        <p:txBody>
-          <a:bodyPr rtlCol="0" anchor="ctr"/>
-          <a:lstStyle/>
-          <a:p>
-            <a:pPr algn="ctr"/>
-            <a:endParaRPr lang="en-AU"/>
-          </a:p>
-        </p:txBody>
-      </p:sp>
-      <p:sp>
-        <p:nvSpPr>
-          <p:cNvPr id="18" name="Isosceles Triangle 17">
-            <a:extLst>
-              <a:ext uri="{FF2B5EF4-FFF2-40B4-BE49-F238E27FC236}">
-                <a16:creationId xmlns:a16="http://schemas.microsoft.com/office/drawing/2014/main" id="{4A070A60-374A-4020-9451-4141E4C49589}"/>
-              </a:ext>
-            </a:extLst>
-          </p:cNvPr>
-          <p:cNvSpPr/>
-          <p:nvPr/>
-        </p:nvSpPr>
-        <p:spPr>
-          <a:xfrm rot="10800000">
-            <a:off x="6219337" y="3484635"/>
-            <a:ext cx="226262" cy="123664"/>
-          </a:xfrm>
-          <a:prstGeom prst="triangle">
-            <a:avLst/>
-          </a:prstGeom>
-          <a:solidFill>
-            <a:srgbClr val="FFAD52"/>
-          </a:solidFill>
-          <a:ln>
-            <a:noFill/>
-          </a:ln>
-        </p:spPr>
-        <p:style>
-          <a:lnRef idx="2">
-            <a:schemeClr val="accent1">
-              <a:shade val="50000"/>
-            </a:schemeClr>
-          </a:lnRef>
-          <a:fillRef idx="1">
-            <a:schemeClr val="accent1"/>
-          </a:fillRef>
-          <a:effectRef idx="0">
-            <a:schemeClr val="accent1"/>
-          </a:effectRef>
-          <a:fontRef idx="minor">
-            <a:schemeClr val="lt1"/>
-          </a:fontRef>
-        </p:style>
-        <p:txBody>
-          <a:bodyPr rtlCol="0" anchor="ctr"/>
-          <a:lstStyle/>
-          <a:p>
-            <a:pPr algn="ctr"/>
-            <a:endParaRPr lang="en-AU"/>
-          </a:p>
-        </p:txBody>
-      </p:sp>
-      <p:sp>
-        <p:nvSpPr>
-          <p:cNvPr id="19" name="TextBox 18">
-            <a:extLst>
-              <a:ext uri="{FF2B5EF4-FFF2-40B4-BE49-F238E27FC236}">
-                <a16:creationId xmlns:a16="http://schemas.microsoft.com/office/drawing/2014/main" id="{ADF96875-2D95-4FDE-BA36-233142466632}"/>
-              </a:ext>
-            </a:extLst>
-          </p:cNvPr>
-          <p:cNvSpPr txBox="1"/>
-          <p:nvPr/>
-        </p:nvSpPr>
-        <p:spPr>
-          <a:xfrm>
-            <a:off x="6158752" y="3341032"/>
-            <a:ext cx="258290" cy="307777"/>
-          </a:xfrm>
-          <a:prstGeom prst="rect">
-            <a:avLst/>
-          </a:prstGeom>
-          <a:noFill/>
-        </p:spPr>
-        <p:txBody>
-          <a:bodyPr wrap="square" rtlCol="0">
-            <a:spAutoFit/>
-          </a:bodyPr>
-          <a:lstStyle/>
-          <a:p>
-            <a:r>
-              <a:rPr lang="en-US" sz="1400" b="1" dirty="0">
-                <a:solidFill>
-                  <a:schemeClr val="bg1"/>
-                </a:solidFill>
-                <a:latin typeface="Oxygen" panose="02000503000000000000" pitchFamily="2" charset="0"/>
-              </a:rPr>
-              <a:t>@</a:t>
-            </a:r>
-            <a:endParaRPr lang="en-AU" sz="1400" b="1" dirty="0">
-              <a:solidFill>
-                <a:schemeClr val="bg1"/>
-              </a:solidFill>
-              <a:latin typeface="Oxygen" panose="02000503000000000000" pitchFamily="2" charset="0"/>
-            </a:endParaRPr>
-          </a:p>
-        </p:txBody>
-      </p:sp>
-      <p:sp>
-        <p:nvSpPr>
-          <p:cNvPr id="20" name="Freeform: Shape 19">
-            <a:extLst>
-              <a:ext uri="{FF2B5EF4-FFF2-40B4-BE49-F238E27FC236}">
-                <a16:creationId xmlns:a16="http://schemas.microsoft.com/office/drawing/2014/main" id="{8A81DDE2-A530-408C-B10A-C49F449B30EF}"/>
-              </a:ext>
-            </a:extLst>
-          </p:cNvPr>
-          <p:cNvSpPr/>
-          <p:nvPr/>
-        </p:nvSpPr>
-        <p:spPr>
-          <a:xfrm>
-            <a:off x="6205943" y="3487923"/>
-            <a:ext cx="248888" cy="160489"/>
-          </a:xfrm>
-          <a:custGeom>
-            <a:avLst/>
-            <a:gdLst>
-              <a:gd name="connsiteX0" fmla="*/ 14525 w 273777"/>
-              <a:gd name="connsiteY0" fmla="*/ 476 h 194191"/>
-              <a:gd name="connsiteX1" fmla="*/ 138969 w 273777"/>
-              <a:gd name="connsiteY1" fmla="*/ 124139 h 194191"/>
-              <a:gd name="connsiteX2" fmla="*/ 263413 w 273777"/>
-              <a:gd name="connsiteY2" fmla="*/ 476 h 194191"/>
-              <a:gd name="connsiteX3" fmla="*/ 0 w 273777"/>
-              <a:gd name="connsiteY3" fmla="*/ 0 h 194191"/>
-              <a:gd name="connsiteX4" fmla="*/ 273777 w 273777"/>
-              <a:gd name="connsiteY4" fmla="*/ 0 h 194191"/>
-              <a:gd name="connsiteX5" fmla="*/ 273777 w 273777"/>
-              <a:gd name="connsiteY5" fmla="*/ 194191 h 194191"/>
-              <a:gd name="connsiteX6" fmla="*/ 0 w 273777"/>
-              <a:gd name="connsiteY6" fmla="*/ 194191 h 194191"/>
-            </a:gdLst>
-            <a:ahLst/>
-            <a:cxnLst>
-              <a:cxn ang="0">
-                <a:pos x="connsiteX0" y="connsiteY0"/>
-              </a:cxn>
-              <a:cxn ang="0">
-                <a:pos x="connsiteX1" y="connsiteY1"/>
-              </a:cxn>
-              <a:cxn ang="0">
-                <a:pos x="connsiteX2" y="connsiteY2"/>
-              </a:cxn>
-              <a:cxn ang="0">
-                <a:pos x="connsiteX3" y="connsiteY3"/>
-              </a:cxn>
-              <a:cxn ang="0">
-                <a:pos x="connsiteX4" y="connsiteY4"/>
-              </a:cxn>
-              <a:cxn ang="0">
-                <a:pos x="connsiteX5" y="connsiteY5"/>
-              </a:cxn>
-              <a:cxn ang="0">
-                <a:pos x="connsiteX6" y="connsiteY6"/>
-              </a:cxn>
-            </a:cxnLst>
-            <a:rect l="l" t="t" r="r" b="b"/>
-            <a:pathLst>
-              <a:path w="273777" h="194191">
-                <a:moveTo>
-                  <a:pt x="14525" y="476"/>
-                </a:moveTo>
-                <a:lnTo>
-                  <a:pt x="138969" y="124139"/>
-                </a:lnTo>
-                <a:lnTo>
-                  <a:pt x="263413" y="476"/>
-                </a:lnTo>
-                <a:close/>
-                <a:moveTo>
-                  <a:pt x="0" y="0"/>
-                </a:moveTo>
-                <a:lnTo>
-                  <a:pt x="273777" y="0"/>
-                </a:lnTo>
-                <a:lnTo>
-                  <a:pt x="273777" y="194191"/>
-                </a:lnTo>
-                <a:lnTo>
-                  <a:pt x="0" y="194191"/>
-                </a:lnTo>
-                <a:close/>
-              </a:path>
-            </a:pathLst>
-          </a:custGeom>
-          <a:solidFill>
-            <a:srgbClr val="FF8C52"/>
-          </a:solidFill>
-          <a:ln>
-            <a:noFill/>
-          </a:ln>
-        </p:spPr>
-        <p:style>
-          <a:lnRef idx="2">
-            <a:schemeClr val="accent1">
-              <a:shade val="50000"/>
-            </a:schemeClr>
-          </a:lnRef>
-          <a:fillRef idx="1">
-            <a:schemeClr val="accent1"/>
-          </a:fillRef>
-          <a:effectRef idx="0">
-            <a:schemeClr val="accent1"/>
-          </a:effectRef>
-          <a:fontRef idx="minor">
-            <a:schemeClr val="lt1"/>
-          </a:fontRef>
-        </p:style>
-        <p:txBody>
-          <a:bodyPr wrap="square" rtlCol="0" anchor="ctr">
-            <a:noAutofit/>
-          </a:bodyPr>
-          <a:lstStyle/>
-          <a:p>
-            <a:pPr algn="ctr"/>
-            <a:endParaRPr lang="en-AU"/>
-          </a:p>
-        </p:txBody>
-      </p:sp>
-      <p:pic>
-        <p:nvPicPr>
-          <p:cNvPr id="21" name="Picture 20">
-            <a:extLst>
-              <a:ext uri="{FF2B5EF4-FFF2-40B4-BE49-F238E27FC236}">
-                <a16:creationId xmlns:a16="http://schemas.microsoft.com/office/drawing/2014/main" id="{7EB4A0D7-3AAD-4D23-A500-5D9444325DA2}"/>
-              </a:ext>
-            </a:extLst>
-          </p:cNvPr>
-          <p:cNvPicPr>
-            <a:picLocks noChangeAspect="1"/>
-          </p:cNvPicPr>
-          <p:nvPr/>
-        </p:nvPicPr>
-        <p:blipFill>
-          <a:blip r:embed="rId3"/>
-          <a:stretch>
-            <a:fillRect/>
-          </a:stretch>
-        </p:blipFill>
-        <p:spPr>
-          <a:xfrm>
-            <a:off x="6154284" y="3728182"/>
-            <a:ext cx="313738" cy="310434"/>
-          </a:xfrm>
-          <a:prstGeom prst="rect">
-            <a:avLst/>
-          </a:prstGeom>
-        </p:spPr>
-      </p:pic>
-      <p:pic>
-        <p:nvPicPr>
-          <p:cNvPr id="22" name="Picture 21">
-            <a:extLst>
-              <a:ext uri="{FF2B5EF4-FFF2-40B4-BE49-F238E27FC236}">
-                <a16:creationId xmlns:a16="http://schemas.microsoft.com/office/drawing/2014/main" id="{D9974666-3935-4C44-BA93-73216A10AE34}"/>
-              </a:ext>
-            </a:extLst>
-          </p:cNvPr>
-          <p:cNvPicPr>
-            <a:picLocks noChangeAspect="1"/>
-          </p:cNvPicPr>
-          <p:nvPr/>
-        </p:nvPicPr>
-        <p:blipFill>
-          <a:blip r:embed="rId4"/>
-          <a:stretch>
-            <a:fillRect/>
-          </a:stretch>
-        </p:blipFill>
-        <p:spPr>
-          <a:xfrm>
-            <a:off x="6222560" y="4940606"/>
-            <a:ext cx="230977" cy="230977"/>
-          </a:xfrm>
-          <a:prstGeom prst="rect">
-            <a:avLst/>
-          </a:prstGeom>
-        </p:spPr>
-      </p:pic>
-    </p:spTree>
-    <p:extLst>
-      <p:ext uri="{BB962C8B-B14F-4D97-AF65-F5344CB8AC3E}">
-        <p14:creationId xmlns:p14="http://schemas.microsoft.com/office/powerpoint/2010/main" val="2903591404"/>
-      </p:ext>
-    </p:extLst>
-  </p:cSld>
-  <p:clrMapOvr>
-    <a:masterClrMapping/>
-  </p:clrMapOvr>
-</p:sld>
-</file>
-
-<file path=ppt/slides/slide4.xml><?xml version="1.0" encoding="utf-8"?>
-<p:sld xmlns:a="http://schemas.openxmlformats.org/drawingml/2006/main" xmlns:r="http://schemas.openxmlformats.org/officeDocument/2006/relationships" xmlns:p="http://schemas.openxmlformats.org/presentationml/2006/main">
-  <p:cSld>
-    <p:spTree>
-      <p:nvGrpSpPr>
-        <p:cNvPr id="1" name=""/>
-        <p:cNvGrpSpPr/>
-        <p:nvPr/>
-      </p:nvGrpSpPr>
-      <p:grpSpPr>
-        <a:xfrm>
-          <a:off x="0" y="0"/>
-          <a:ext cx="0" cy="0"/>
-          <a:chOff x="0" y="0"/>
-          <a:chExt cx="0" cy="0"/>
-        </a:xfrm>
-      </p:grpSpPr>
-      <p:sp>
-        <p:nvSpPr>
           <p:cNvPr id="2" name="TextBox 1"/>
           <p:cNvSpPr txBox="1"/>
           <p:nvPr/>
@@ -8014,6 +6576,3209 @@
     <p:extLst>
       <p:ext uri="{BB962C8B-B14F-4D97-AF65-F5344CB8AC3E}">
         <p14:creationId xmlns:p14="http://schemas.microsoft.com/office/powerpoint/2010/main" val="3767434751"/>
+      </p:ext>
+    </p:extLst>
+  </p:cSld>
+  <p:clrMapOvr>
+    <a:masterClrMapping/>
+  </p:clrMapOvr>
+</p:sld>
+</file>
+
+<file path=ppt/slides/slide4.xml><?xml version="1.0" encoding="utf-8"?>
+<p:sld xmlns:a="http://schemas.openxmlformats.org/drawingml/2006/main" xmlns:r="http://schemas.openxmlformats.org/officeDocument/2006/relationships" xmlns:p="http://schemas.openxmlformats.org/presentationml/2006/main">
+  <p:cSld>
+    <p:spTree>
+      <p:nvGrpSpPr>
+        <p:cNvPr id="1" name=""/>
+        <p:cNvGrpSpPr/>
+        <p:nvPr/>
+      </p:nvGrpSpPr>
+      <p:grpSpPr>
+        <a:xfrm>
+          <a:off x="0" y="0"/>
+          <a:ext cx="0" cy="0"/>
+          <a:chOff x="0" y="0"/>
+          <a:chExt cx="0" cy="0"/>
+        </a:xfrm>
+      </p:grpSpPr>
+      <p:sp>
+        <p:nvSpPr>
+          <p:cNvPr id="8" name="Freeform 7"/>
+          <p:cNvSpPr/>
+          <p:nvPr/>
+        </p:nvSpPr>
+        <p:spPr>
+          <a:xfrm>
+            <a:off x="1971670" y="1309434"/>
+            <a:ext cx="7560000" cy="5040000"/>
+          </a:xfrm>
+          <a:custGeom>
+            <a:avLst/>
+            <a:gdLst>
+              <a:gd name="connsiteX0" fmla="*/ 1055455 w 8475260"/>
+              <a:gd name="connsiteY0" fmla="*/ 0 h 5431810"/>
+              <a:gd name="connsiteX1" fmla="*/ 7419805 w 8475260"/>
+              <a:gd name="connsiteY1" fmla="*/ 0 h 5431810"/>
+              <a:gd name="connsiteX2" fmla="*/ 7419824 w 8475260"/>
+              <a:gd name="connsiteY2" fmla="*/ 1 h 5431810"/>
+              <a:gd name="connsiteX3" fmla="*/ 8475260 w 8475260"/>
+              <a:gd name="connsiteY3" fmla="*/ 1 h 5431810"/>
+              <a:gd name="connsiteX4" fmla="*/ 8475260 w 8475260"/>
+              <a:gd name="connsiteY4" fmla="*/ 1055455 h 5431810"/>
+              <a:gd name="connsiteX5" fmla="*/ 8475260 w 8475260"/>
+              <a:gd name="connsiteY5" fmla="*/ 2606723 h 5431810"/>
+              <a:gd name="connsiteX6" fmla="*/ 8475260 w 8475260"/>
+              <a:gd name="connsiteY6" fmla="*/ 4376354 h 5431810"/>
+              <a:gd name="connsiteX7" fmla="*/ 7419805 w 8475260"/>
+              <a:gd name="connsiteY7" fmla="*/ 5431809 h 5431810"/>
+              <a:gd name="connsiteX8" fmla="*/ 4148920 w 8475260"/>
+              <a:gd name="connsiteY8" fmla="*/ 5431809 h 5431810"/>
+              <a:gd name="connsiteX9" fmla="*/ 4148920 w 8475260"/>
+              <a:gd name="connsiteY9" fmla="*/ 5431810 h 5431810"/>
+              <a:gd name="connsiteX10" fmla="*/ 0 w 8475260"/>
+              <a:gd name="connsiteY10" fmla="*/ 5431810 h 5431810"/>
+              <a:gd name="connsiteX11" fmla="*/ 0 w 8475260"/>
+              <a:gd name="connsiteY11" fmla="*/ 4376354 h 5431810"/>
+              <a:gd name="connsiteX12" fmla="*/ 0 w 8475260"/>
+              <a:gd name="connsiteY12" fmla="*/ 2825088 h 5431810"/>
+              <a:gd name="connsiteX13" fmla="*/ 0 w 8475260"/>
+              <a:gd name="connsiteY13" fmla="*/ 1055455 h 5431810"/>
+              <a:gd name="connsiteX14" fmla="*/ 1055455 w 8475260"/>
+              <a:gd name="connsiteY14" fmla="*/ 0 h 5431810"/>
+            </a:gdLst>
+            <a:ahLst/>
+            <a:cxnLst>
+              <a:cxn ang="0">
+                <a:pos x="connsiteX0" y="connsiteY0"/>
+              </a:cxn>
+              <a:cxn ang="0">
+                <a:pos x="connsiteX1" y="connsiteY1"/>
+              </a:cxn>
+              <a:cxn ang="0">
+                <a:pos x="connsiteX2" y="connsiteY2"/>
+              </a:cxn>
+              <a:cxn ang="0">
+                <a:pos x="connsiteX3" y="connsiteY3"/>
+              </a:cxn>
+              <a:cxn ang="0">
+                <a:pos x="connsiteX4" y="connsiteY4"/>
+              </a:cxn>
+              <a:cxn ang="0">
+                <a:pos x="connsiteX5" y="connsiteY5"/>
+              </a:cxn>
+              <a:cxn ang="0">
+                <a:pos x="connsiteX6" y="connsiteY6"/>
+              </a:cxn>
+              <a:cxn ang="0">
+                <a:pos x="connsiteX7" y="connsiteY7"/>
+              </a:cxn>
+              <a:cxn ang="0">
+                <a:pos x="connsiteX8" y="connsiteY8"/>
+              </a:cxn>
+              <a:cxn ang="0">
+                <a:pos x="connsiteX9" y="connsiteY9"/>
+              </a:cxn>
+              <a:cxn ang="0">
+                <a:pos x="connsiteX10" y="connsiteY10"/>
+              </a:cxn>
+              <a:cxn ang="0">
+                <a:pos x="connsiteX11" y="connsiteY11"/>
+              </a:cxn>
+              <a:cxn ang="0">
+                <a:pos x="connsiteX12" y="connsiteY12"/>
+              </a:cxn>
+              <a:cxn ang="0">
+                <a:pos x="connsiteX13" y="connsiteY13"/>
+              </a:cxn>
+              <a:cxn ang="0">
+                <a:pos x="connsiteX14" y="connsiteY14"/>
+              </a:cxn>
+            </a:cxnLst>
+            <a:rect l="l" t="t" r="r" b="b"/>
+            <a:pathLst>
+              <a:path w="8475260" h="5431810">
+                <a:moveTo>
+                  <a:pt x="1055455" y="0"/>
+                </a:moveTo>
+                <a:lnTo>
+                  <a:pt x="7419805" y="0"/>
+                </a:lnTo>
+                <a:lnTo>
+                  <a:pt x="7419824" y="1"/>
+                </a:lnTo>
+                <a:lnTo>
+                  <a:pt x="8475260" y="1"/>
+                </a:lnTo>
+                <a:lnTo>
+                  <a:pt x="8475260" y="1055455"/>
+                </a:lnTo>
+                <a:lnTo>
+                  <a:pt x="8475260" y="2606723"/>
+                </a:lnTo>
+                <a:lnTo>
+                  <a:pt x="8475260" y="4376354"/>
+                </a:lnTo>
+                <a:cubicBezTo>
+                  <a:pt x="8475260" y="4959266"/>
+                  <a:pt x="8002717" y="5431809"/>
+                  <a:pt x="7419805" y="5431809"/>
+                </a:cubicBezTo>
+                <a:lnTo>
+                  <a:pt x="4148920" y="5431809"/>
+                </a:lnTo>
+                <a:lnTo>
+                  <a:pt x="4148920" y="5431810"/>
+                </a:lnTo>
+                <a:lnTo>
+                  <a:pt x="0" y="5431810"/>
+                </a:lnTo>
+                <a:lnTo>
+                  <a:pt x="0" y="4376354"/>
+                </a:lnTo>
+                <a:lnTo>
+                  <a:pt x="0" y="2825088"/>
+                </a:lnTo>
+                <a:lnTo>
+                  <a:pt x="0" y="1055455"/>
+                </a:lnTo>
+                <a:cubicBezTo>
+                  <a:pt x="0" y="472543"/>
+                  <a:pt x="472543" y="0"/>
+                  <a:pt x="1055455" y="0"/>
+                </a:cubicBezTo>
+                <a:close/>
+              </a:path>
+            </a:pathLst>
+          </a:custGeom>
+          <a:solidFill>
+            <a:schemeClr val="bg1"/>
+          </a:solidFill>
+          <a:ln>
+            <a:noFill/>
+          </a:ln>
+          <a:effectLst>
+            <a:glow rad="228600">
+              <a:schemeClr val="accent3">
+                <a:satMod val="175000"/>
+                <a:alpha val="40000"/>
+              </a:schemeClr>
+            </a:glow>
+          </a:effectLst>
+        </p:spPr>
+        <p:style>
+          <a:lnRef idx="2">
+            <a:schemeClr val="accent1">
+              <a:shade val="50000"/>
+            </a:schemeClr>
+          </a:lnRef>
+          <a:fillRef idx="1">
+            <a:schemeClr val="accent1"/>
+          </a:fillRef>
+          <a:effectRef idx="0">
+            <a:schemeClr val="accent1"/>
+          </a:effectRef>
+          <a:fontRef idx="minor">
+            <a:schemeClr val="lt1"/>
+          </a:fontRef>
+        </p:style>
+        <p:txBody>
+          <a:bodyPr rtlCol="0" anchor="ctr"/>
+          <a:lstStyle/>
+          <a:p>
+            <a:pPr algn="ctr"/>
+            <a:r>
+              <a:rPr lang="en-AU" b="1" dirty="0">
+                <a:latin typeface="Oxygen" panose="02000503000000000000" pitchFamily="2" charset="0"/>
+              </a:rPr>
+              <a:t>e05a</a:t>
+            </a:r>
+          </a:p>
+        </p:txBody>
+      </p:sp>
+      <p:sp>
+        <p:nvSpPr>
+          <p:cNvPr id="2" name="TextBox 1"/>
+          <p:cNvSpPr txBox="1"/>
+          <p:nvPr/>
+        </p:nvSpPr>
+        <p:spPr>
+          <a:xfrm>
+            <a:off x="2589961" y="337130"/>
+            <a:ext cx="3517310" cy="523220"/>
+          </a:xfrm>
+          <a:prstGeom prst="rect">
+            <a:avLst/>
+          </a:prstGeom>
+          <a:noFill/>
+        </p:spPr>
+        <p:txBody>
+          <a:bodyPr wrap="none" rtlCol="0">
+            <a:spAutoFit/>
+          </a:bodyPr>
+          <a:lstStyle/>
+          <a:p>
+            <a:r>
+              <a:rPr lang="en-AU" sz="2800" b="1" u="sng" dirty="0">
+                <a:latin typeface="Oxygen" panose="02000503000000000000" pitchFamily="2" charset="0"/>
+              </a:rPr>
+              <a:t>Identity Card – CEO</a:t>
+            </a:r>
+          </a:p>
+        </p:txBody>
+      </p:sp>
+      <p:sp>
+        <p:nvSpPr>
+          <p:cNvPr id="13" name="Rectangle 12"/>
+          <p:cNvSpPr/>
+          <p:nvPr/>
+        </p:nvSpPr>
+        <p:spPr>
+          <a:xfrm>
+            <a:off x="5329234" y="1311674"/>
+            <a:ext cx="36000" cy="5040000"/>
+          </a:xfrm>
+          <a:prstGeom prst="rect">
+            <a:avLst/>
+          </a:prstGeom>
+          <a:gradFill>
+            <a:gsLst>
+              <a:gs pos="0">
+                <a:schemeClr val="bg1"/>
+              </a:gs>
+              <a:gs pos="60000">
+                <a:srgbClr val="FF8C52"/>
+              </a:gs>
+              <a:gs pos="40000">
+                <a:srgbClr val="FF8C52"/>
+              </a:gs>
+              <a:gs pos="20000">
+                <a:schemeClr val="bg1"/>
+              </a:gs>
+              <a:gs pos="80000">
+                <a:schemeClr val="bg1"/>
+              </a:gs>
+              <a:gs pos="100000">
+                <a:schemeClr val="bg1"/>
+              </a:gs>
+            </a:gsLst>
+            <a:lin ang="5400000" scaled="1"/>
+          </a:gradFill>
+          <a:ln>
+            <a:noFill/>
+          </a:ln>
+        </p:spPr>
+        <p:style>
+          <a:lnRef idx="2">
+            <a:schemeClr val="accent1">
+              <a:shade val="50000"/>
+            </a:schemeClr>
+          </a:lnRef>
+          <a:fillRef idx="1">
+            <a:schemeClr val="accent1"/>
+          </a:fillRef>
+          <a:effectRef idx="0">
+            <a:schemeClr val="accent1"/>
+          </a:effectRef>
+          <a:fontRef idx="minor">
+            <a:schemeClr val="lt1"/>
+          </a:fontRef>
+        </p:style>
+        <p:txBody>
+          <a:bodyPr rtlCol="0" anchor="ctr"/>
+          <a:lstStyle/>
+          <a:p>
+            <a:pPr algn="ctr"/>
+            <a:endParaRPr lang="en-AU">
+              <a:latin typeface="Oxygen" panose="02000503000000000000" pitchFamily="2" charset="0"/>
+            </a:endParaRPr>
+          </a:p>
+        </p:txBody>
+      </p:sp>
+      <p:sp>
+        <p:nvSpPr>
+          <p:cNvPr id="15" name="Rectangle 14"/>
+          <p:cNvSpPr/>
+          <p:nvPr/>
+        </p:nvSpPr>
+        <p:spPr>
+          <a:xfrm>
+            <a:off x="5878671" y="5548566"/>
+            <a:ext cx="1880643" cy="400110"/>
+          </a:xfrm>
+          <a:prstGeom prst="rect">
+            <a:avLst/>
+          </a:prstGeom>
+        </p:spPr>
+        <p:txBody>
+          <a:bodyPr wrap="none">
+            <a:spAutoFit/>
+          </a:bodyPr>
+          <a:lstStyle/>
+          <a:p>
+            <a:r>
+              <a:rPr lang="en-AU" b="1" dirty="0">
+                <a:solidFill>
+                  <a:srgbClr val="002060"/>
+                </a:solidFill>
+                <a:latin typeface="Oxygen" panose="02000503000000000000" pitchFamily="2" charset="0"/>
+              </a:rPr>
+              <a:t> </a:t>
+            </a:r>
+            <a:r>
+              <a:rPr lang="en-AU" sz="2000" b="1" dirty="0">
+                <a:solidFill>
+                  <a:srgbClr val="002060"/>
+                </a:solidFill>
+                <a:latin typeface="Oxygen" panose="02000503000000000000" pitchFamily="2" charset="0"/>
+              </a:rPr>
+              <a:t>anodiam.com</a:t>
+            </a:r>
+            <a:endParaRPr lang="en-AU" sz="2000" dirty="0">
+              <a:latin typeface="Oxygen" panose="02000503000000000000" pitchFamily="2" charset="0"/>
+            </a:endParaRPr>
+          </a:p>
+        </p:txBody>
+      </p:sp>
+      <p:sp>
+        <p:nvSpPr>
+          <p:cNvPr id="16" name="TextBox 15"/>
+          <p:cNvSpPr txBox="1"/>
+          <p:nvPr/>
+        </p:nvSpPr>
+        <p:spPr>
+          <a:xfrm>
+            <a:off x="5573397" y="1887334"/>
+            <a:ext cx="3752950" cy="3716402"/>
+          </a:xfrm>
+          <a:prstGeom prst="rect">
+            <a:avLst/>
+          </a:prstGeom>
+          <a:noFill/>
+        </p:spPr>
+        <p:txBody>
+          <a:bodyPr wrap="none" rtlCol="0">
+            <a:spAutoFit/>
+          </a:bodyPr>
+          <a:lstStyle/>
+          <a:p>
+            <a:pPr lvl="0">
+              <a:spcAft>
+                <a:spcPts val="600"/>
+              </a:spcAft>
+            </a:pPr>
+            <a:r>
+              <a:rPr lang="en-AU" sz="2400" b="1" dirty="0">
+                <a:solidFill>
+                  <a:prstClr val="black"/>
+                </a:solidFill>
+                <a:latin typeface="Oxygen" panose="02000503000000000000" pitchFamily="2" charset="0"/>
+              </a:rPr>
+              <a:t>Mr. Anirban Chakrabarty</a:t>
+            </a:r>
+          </a:p>
+          <a:p>
+            <a:pPr lvl="0">
+              <a:spcAft>
+                <a:spcPts val="600"/>
+              </a:spcAft>
+            </a:pPr>
+            <a:r>
+              <a:rPr lang="en-AU" b="1" dirty="0">
+                <a:solidFill>
+                  <a:prstClr val="black"/>
+                </a:solidFill>
+                <a:latin typeface="Oxygen" panose="02000503000000000000" pitchFamily="2" charset="0"/>
+              </a:rPr>
+              <a:t>C.E.O.</a:t>
+            </a:r>
+          </a:p>
+          <a:p>
+            <a:pPr lvl="0">
+              <a:spcAft>
+                <a:spcPts val="600"/>
+              </a:spcAft>
+            </a:pPr>
+            <a:endParaRPr lang="en-AU" sz="1050" b="1" dirty="0">
+              <a:solidFill>
+                <a:prstClr val="black"/>
+              </a:solidFill>
+              <a:latin typeface="Oxygen" panose="02000503000000000000" pitchFamily="2" charset="0"/>
+            </a:endParaRPr>
+          </a:p>
+          <a:p>
+            <a:pPr lvl="0">
+              <a:lnSpc>
+                <a:spcPct val="150000"/>
+              </a:lnSpc>
+              <a:spcAft>
+                <a:spcPts val="600"/>
+              </a:spcAft>
+            </a:pPr>
+            <a:r>
+              <a:rPr lang="en-AU" b="1" dirty="0">
+                <a:solidFill>
+                  <a:prstClr val="black"/>
+                </a:solidFill>
+                <a:latin typeface="Oxygen" panose="02000503000000000000" pitchFamily="2" charset="0"/>
+              </a:rPr>
+              <a:t>B.E.(Electronics), M.B.A. (Finance)</a:t>
+            </a:r>
+          </a:p>
+          <a:p>
+            <a:pPr lvl="0">
+              <a:lnSpc>
+                <a:spcPct val="150000"/>
+              </a:lnSpc>
+              <a:spcAft>
+                <a:spcPts val="600"/>
+              </a:spcAft>
+            </a:pPr>
+            <a:r>
+              <a:rPr lang="en-AU" b="1" dirty="0">
+                <a:solidFill>
+                  <a:prstClr val="black"/>
+                </a:solidFill>
+                <a:latin typeface="Oxygen" panose="02000503000000000000" pitchFamily="2" charset="0"/>
+              </a:rPr>
+              <a:t>      </a:t>
+            </a:r>
+            <a:r>
+              <a:rPr lang="en-AU" b="1" u="sng" dirty="0">
+                <a:solidFill>
+                  <a:srgbClr val="002060"/>
+                </a:solidFill>
+                <a:latin typeface="Oxygen" panose="02000503000000000000" pitchFamily="2" charset="0"/>
+              </a:rPr>
+              <a:t>anirban@anodiam.com</a:t>
+            </a:r>
+          </a:p>
+          <a:p>
+            <a:pPr lvl="0"/>
+            <a:r>
+              <a:rPr lang="en-AU" b="1" dirty="0">
+                <a:latin typeface="Oxygen" panose="02000503000000000000" pitchFamily="2" charset="0"/>
+              </a:rPr>
+              <a:t>      +91 9073 700094</a:t>
+            </a:r>
+          </a:p>
+          <a:p>
+            <a:pPr lvl="0">
+              <a:lnSpc>
+                <a:spcPct val="150000"/>
+              </a:lnSpc>
+              <a:spcAft>
+                <a:spcPts val="600"/>
+              </a:spcAft>
+            </a:pPr>
+            <a:r>
+              <a:rPr lang="en-AU" b="1" dirty="0">
+                <a:latin typeface="Oxygen" panose="02000503000000000000" pitchFamily="2" charset="0"/>
+              </a:rPr>
+              <a:t>      </a:t>
+            </a:r>
+            <a:r>
+              <a:rPr lang="en-AU" b="1" dirty="0">
+                <a:solidFill>
+                  <a:schemeClr val="bg1">
+                    <a:lumMod val="65000"/>
+                  </a:schemeClr>
+                </a:solidFill>
+                <a:latin typeface="Oxygen" panose="02000503000000000000" pitchFamily="2" charset="0"/>
+              </a:rPr>
+              <a:t>+61 470 142 229</a:t>
+            </a:r>
+          </a:p>
+          <a:p>
+            <a:r>
+              <a:rPr lang="en-AU" b="1" dirty="0">
+                <a:latin typeface="Oxygen" panose="02000503000000000000" pitchFamily="2" charset="0"/>
+              </a:rPr>
+              <a:t>      N - 1/25 Patuli, Kolkata 94</a:t>
+            </a:r>
+          </a:p>
+          <a:p>
+            <a:pPr lvl="0"/>
+            <a:r>
+              <a:rPr lang="en-AU" b="1" dirty="0">
+                <a:solidFill>
+                  <a:schemeClr val="bg1">
+                    <a:lumMod val="65000"/>
+                  </a:schemeClr>
+                </a:solidFill>
+                <a:latin typeface="Oxygen" panose="02000503000000000000" pitchFamily="2" charset="0"/>
+              </a:rPr>
+              <a:t>      8/71 Wolseley Street</a:t>
+            </a:r>
+          </a:p>
+          <a:p>
+            <a:pPr lvl="0"/>
+            <a:r>
+              <a:rPr lang="en-AU" b="1" dirty="0">
+                <a:solidFill>
+                  <a:schemeClr val="bg1">
+                    <a:lumMod val="65000"/>
+                  </a:schemeClr>
+                </a:solidFill>
+                <a:latin typeface="Oxygen" panose="02000503000000000000" pitchFamily="2" charset="0"/>
+              </a:rPr>
+              <a:t>      Bexley, Australia 2207</a:t>
+            </a:r>
+          </a:p>
+        </p:txBody>
+      </p:sp>
+      <p:sp>
+        <p:nvSpPr>
+          <p:cNvPr id="17" name="Freeform: Shape 16">
+            <a:extLst>
+              <a:ext uri="{FF2B5EF4-FFF2-40B4-BE49-F238E27FC236}">
+                <a16:creationId xmlns:a16="http://schemas.microsoft.com/office/drawing/2014/main" id="{AFF9FF99-0A06-41A7-BC2C-5003B49B20A1}"/>
+              </a:ext>
+            </a:extLst>
+          </p:cNvPr>
+          <p:cNvSpPr/>
+          <p:nvPr/>
+        </p:nvSpPr>
+        <p:spPr>
+          <a:xfrm rot="8100000">
+            <a:off x="5638863" y="4504287"/>
+            <a:ext cx="252000" cy="252000"/>
+          </a:xfrm>
+          <a:custGeom>
+            <a:avLst/>
+            <a:gdLst>
+              <a:gd name="connsiteX0" fmla="*/ 93671 w 252000"/>
+              <a:gd name="connsiteY0" fmla="*/ 158330 h 252000"/>
+              <a:gd name="connsiteX1" fmla="*/ 158329 w 252000"/>
+              <a:gd name="connsiteY1" fmla="*/ 158330 h 252000"/>
+              <a:gd name="connsiteX2" fmla="*/ 158329 w 252000"/>
+              <a:gd name="connsiteY2" fmla="*/ 93672 h 252000"/>
+              <a:gd name="connsiteX3" fmla="*/ 93671 w 252000"/>
+              <a:gd name="connsiteY3" fmla="*/ 93672 h 252000"/>
+              <a:gd name="connsiteX4" fmla="*/ 93671 w 252000"/>
+              <a:gd name="connsiteY4" fmla="*/ 158330 h 252000"/>
+              <a:gd name="connsiteX5" fmla="*/ 36905 w 252000"/>
+              <a:gd name="connsiteY5" fmla="*/ 215095 h 252000"/>
+              <a:gd name="connsiteX6" fmla="*/ 0 w 252000"/>
+              <a:gd name="connsiteY6" fmla="*/ 126000 h 252000"/>
+              <a:gd name="connsiteX7" fmla="*/ 126000 w 252000"/>
+              <a:gd name="connsiteY7" fmla="*/ 0 h 252000"/>
+              <a:gd name="connsiteX8" fmla="*/ 252000 w 252000"/>
+              <a:gd name="connsiteY8" fmla="*/ 0 h 252000"/>
+              <a:gd name="connsiteX9" fmla="*/ 252000 w 252000"/>
+              <a:gd name="connsiteY9" fmla="*/ 126000 h 252000"/>
+              <a:gd name="connsiteX10" fmla="*/ 126000 w 252000"/>
+              <a:gd name="connsiteY10" fmla="*/ 252000 h 252000"/>
+              <a:gd name="connsiteX11" fmla="*/ 36905 w 252000"/>
+              <a:gd name="connsiteY11" fmla="*/ 215095 h 252000"/>
+            </a:gdLst>
+            <a:ahLst/>
+            <a:cxnLst>
+              <a:cxn ang="0">
+                <a:pos x="connsiteX0" y="connsiteY0"/>
+              </a:cxn>
+              <a:cxn ang="0">
+                <a:pos x="connsiteX1" y="connsiteY1"/>
+              </a:cxn>
+              <a:cxn ang="0">
+                <a:pos x="connsiteX2" y="connsiteY2"/>
+              </a:cxn>
+              <a:cxn ang="0">
+                <a:pos x="connsiteX3" y="connsiteY3"/>
+              </a:cxn>
+              <a:cxn ang="0">
+                <a:pos x="connsiteX4" y="connsiteY4"/>
+              </a:cxn>
+              <a:cxn ang="0">
+                <a:pos x="connsiteX5" y="connsiteY5"/>
+              </a:cxn>
+              <a:cxn ang="0">
+                <a:pos x="connsiteX6" y="connsiteY6"/>
+              </a:cxn>
+              <a:cxn ang="0">
+                <a:pos x="connsiteX7" y="connsiteY7"/>
+              </a:cxn>
+              <a:cxn ang="0">
+                <a:pos x="connsiteX8" y="connsiteY8"/>
+              </a:cxn>
+              <a:cxn ang="0">
+                <a:pos x="connsiteX9" y="connsiteY9"/>
+              </a:cxn>
+              <a:cxn ang="0">
+                <a:pos x="connsiteX10" y="connsiteY10"/>
+              </a:cxn>
+              <a:cxn ang="0">
+                <a:pos x="connsiteX11" y="connsiteY11"/>
+              </a:cxn>
+            </a:cxnLst>
+            <a:rect l="l" t="t" r="r" b="b"/>
+            <a:pathLst>
+              <a:path w="252000" h="252000">
+                <a:moveTo>
+                  <a:pt x="93671" y="158330"/>
+                </a:moveTo>
+                <a:cubicBezTo>
+                  <a:pt x="111526" y="176185"/>
+                  <a:pt x="140474" y="176185"/>
+                  <a:pt x="158329" y="158330"/>
+                </a:cubicBezTo>
+                <a:cubicBezTo>
+                  <a:pt x="176183" y="140476"/>
+                  <a:pt x="176183" y="111527"/>
+                  <a:pt x="158329" y="93672"/>
+                </a:cubicBezTo>
+                <a:cubicBezTo>
+                  <a:pt x="140474" y="75818"/>
+                  <a:pt x="111526" y="75818"/>
+                  <a:pt x="93671" y="93672"/>
+                </a:cubicBezTo>
+                <a:cubicBezTo>
+                  <a:pt x="75817" y="111527"/>
+                  <a:pt x="75817" y="140476"/>
+                  <a:pt x="93671" y="158330"/>
+                </a:cubicBezTo>
+                <a:close/>
+                <a:moveTo>
+                  <a:pt x="36905" y="215095"/>
+                </a:moveTo>
+                <a:cubicBezTo>
+                  <a:pt x="14103" y="192294"/>
+                  <a:pt x="0" y="160794"/>
+                  <a:pt x="0" y="126000"/>
+                </a:cubicBezTo>
+                <a:cubicBezTo>
+                  <a:pt x="0" y="56412"/>
+                  <a:pt x="56412" y="0"/>
+                  <a:pt x="126000" y="0"/>
+                </a:cubicBezTo>
+                <a:lnTo>
+                  <a:pt x="252000" y="0"/>
+                </a:lnTo>
+                <a:lnTo>
+                  <a:pt x="252000" y="126000"/>
+                </a:lnTo>
+                <a:cubicBezTo>
+                  <a:pt x="252000" y="195588"/>
+                  <a:pt x="195588" y="252000"/>
+                  <a:pt x="126000" y="252000"/>
+                </a:cubicBezTo>
+                <a:cubicBezTo>
+                  <a:pt x="91206" y="252000"/>
+                  <a:pt x="59706" y="237897"/>
+                  <a:pt x="36905" y="215095"/>
+                </a:cubicBezTo>
+                <a:close/>
+              </a:path>
+            </a:pathLst>
+          </a:custGeom>
+          <a:solidFill>
+            <a:srgbClr val="FF8C52"/>
+          </a:solidFill>
+          <a:ln>
+            <a:noFill/>
+          </a:ln>
+        </p:spPr>
+        <p:style>
+          <a:lnRef idx="2">
+            <a:schemeClr val="accent1">
+              <a:shade val="50000"/>
+            </a:schemeClr>
+          </a:lnRef>
+          <a:fillRef idx="1">
+            <a:schemeClr val="accent1"/>
+          </a:fillRef>
+          <a:effectRef idx="0">
+            <a:schemeClr val="accent1"/>
+          </a:effectRef>
+          <a:fontRef idx="minor">
+            <a:schemeClr val="lt1"/>
+          </a:fontRef>
+        </p:style>
+        <p:txBody>
+          <a:bodyPr wrap="square" rtlCol="0" anchor="ctr">
+            <a:noAutofit/>
+          </a:bodyPr>
+          <a:lstStyle/>
+          <a:p>
+            <a:pPr algn="ctr"/>
+            <a:endParaRPr lang="en-AU"/>
+          </a:p>
+        </p:txBody>
+      </p:sp>
+      <p:sp>
+        <p:nvSpPr>
+          <p:cNvPr id="14" name="Isosceles Triangle 13">
+            <a:extLst>
+              <a:ext uri="{FF2B5EF4-FFF2-40B4-BE49-F238E27FC236}">
+                <a16:creationId xmlns:a16="http://schemas.microsoft.com/office/drawing/2014/main" id="{30DE4366-3134-4E79-AD07-B89C53ABF78F}"/>
+              </a:ext>
+            </a:extLst>
+          </p:cNvPr>
+          <p:cNvSpPr/>
+          <p:nvPr/>
+        </p:nvSpPr>
+        <p:spPr>
+          <a:xfrm>
+            <a:off x="5642063" y="3562808"/>
+            <a:ext cx="248888" cy="123663"/>
+          </a:xfrm>
+          <a:prstGeom prst="triangle">
+            <a:avLst/>
+          </a:prstGeom>
+          <a:solidFill>
+            <a:srgbClr val="FF8C52"/>
+          </a:solidFill>
+          <a:ln>
+            <a:noFill/>
+          </a:ln>
+        </p:spPr>
+        <p:style>
+          <a:lnRef idx="2">
+            <a:schemeClr val="accent1">
+              <a:shade val="50000"/>
+            </a:schemeClr>
+          </a:lnRef>
+          <a:fillRef idx="1">
+            <a:schemeClr val="accent1"/>
+          </a:fillRef>
+          <a:effectRef idx="0">
+            <a:schemeClr val="accent1"/>
+          </a:effectRef>
+          <a:fontRef idx="minor">
+            <a:schemeClr val="lt1"/>
+          </a:fontRef>
+        </p:style>
+        <p:txBody>
+          <a:bodyPr rtlCol="0" anchor="ctr"/>
+          <a:lstStyle/>
+          <a:p>
+            <a:pPr algn="ctr"/>
+            <a:endParaRPr lang="en-AU"/>
+          </a:p>
+        </p:txBody>
+      </p:sp>
+      <p:sp>
+        <p:nvSpPr>
+          <p:cNvPr id="18" name="Isosceles Triangle 17">
+            <a:extLst>
+              <a:ext uri="{FF2B5EF4-FFF2-40B4-BE49-F238E27FC236}">
+                <a16:creationId xmlns:a16="http://schemas.microsoft.com/office/drawing/2014/main" id="{98AD1FB3-B4A2-47EF-AEBA-9BB3D41DBFE9}"/>
+              </a:ext>
+            </a:extLst>
+          </p:cNvPr>
+          <p:cNvSpPr/>
+          <p:nvPr/>
+        </p:nvSpPr>
+        <p:spPr>
+          <a:xfrm rot="10800000">
+            <a:off x="5655457" y="3684660"/>
+            <a:ext cx="226262" cy="123664"/>
+          </a:xfrm>
+          <a:prstGeom prst="triangle">
+            <a:avLst/>
+          </a:prstGeom>
+          <a:solidFill>
+            <a:srgbClr val="FFAD52"/>
+          </a:solidFill>
+          <a:ln>
+            <a:noFill/>
+          </a:ln>
+        </p:spPr>
+        <p:style>
+          <a:lnRef idx="2">
+            <a:schemeClr val="accent1">
+              <a:shade val="50000"/>
+            </a:schemeClr>
+          </a:lnRef>
+          <a:fillRef idx="1">
+            <a:schemeClr val="accent1"/>
+          </a:fillRef>
+          <a:effectRef idx="0">
+            <a:schemeClr val="accent1"/>
+          </a:effectRef>
+          <a:fontRef idx="minor">
+            <a:schemeClr val="lt1"/>
+          </a:fontRef>
+        </p:style>
+        <p:txBody>
+          <a:bodyPr rtlCol="0" anchor="ctr"/>
+          <a:lstStyle/>
+          <a:p>
+            <a:pPr algn="ctr"/>
+            <a:endParaRPr lang="en-AU"/>
+          </a:p>
+        </p:txBody>
+      </p:sp>
+      <p:sp>
+        <p:nvSpPr>
+          <p:cNvPr id="19" name="TextBox 18">
+            <a:extLst>
+              <a:ext uri="{FF2B5EF4-FFF2-40B4-BE49-F238E27FC236}">
+                <a16:creationId xmlns:a16="http://schemas.microsoft.com/office/drawing/2014/main" id="{F357C0F4-92A3-4AE9-8FC3-DEADDEB99F27}"/>
+              </a:ext>
+            </a:extLst>
+          </p:cNvPr>
+          <p:cNvSpPr txBox="1"/>
+          <p:nvPr/>
+        </p:nvSpPr>
+        <p:spPr>
+          <a:xfrm>
+            <a:off x="5594872" y="3541057"/>
+            <a:ext cx="258290" cy="307777"/>
+          </a:xfrm>
+          <a:prstGeom prst="rect">
+            <a:avLst/>
+          </a:prstGeom>
+          <a:noFill/>
+        </p:spPr>
+        <p:txBody>
+          <a:bodyPr wrap="square" rtlCol="0">
+            <a:spAutoFit/>
+          </a:bodyPr>
+          <a:lstStyle/>
+          <a:p>
+            <a:r>
+              <a:rPr lang="en-US" sz="1400" b="1" dirty="0">
+                <a:solidFill>
+                  <a:schemeClr val="bg1"/>
+                </a:solidFill>
+                <a:latin typeface="Oxygen" panose="02000503000000000000" pitchFamily="2" charset="0"/>
+              </a:rPr>
+              <a:t>@</a:t>
+            </a:r>
+            <a:endParaRPr lang="en-AU" sz="1400" b="1" dirty="0">
+              <a:solidFill>
+                <a:schemeClr val="bg1"/>
+              </a:solidFill>
+              <a:latin typeface="Oxygen" panose="02000503000000000000" pitchFamily="2" charset="0"/>
+            </a:endParaRPr>
+          </a:p>
+        </p:txBody>
+      </p:sp>
+      <p:sp>
+        <p:nvSpPr>
+          <p:cNvPr id="21" name="Freeform: Shape 20">
+            <a:extLst>
+              <a:ext uri="{FF2B5EF4-FFF2-40B4-BE49-F238E27FC236}">
+                <a16:creationId xmlns:a16="http://schemas.microsoft.com/office/drawing/2014/main" id="{44090025-7000-4D7D-A74F-0D5873C3CE90}"/>
+              </a:ext>
+            </a:extLst>
+          </p:cNvPr>
+          <p:cNvSpPr/>
+          <p:nvPr/>
+        </p:nvSpPr>
+        <p:spPr>
+          <a:xfrm>
+            <a:off x="5642063" y="3687948"/>
+            <a:ext cx="248888" cy="160489"/>
+          </a:xfrm>
+          <a:custGeom>
+            <a:avLst/>
+            <a:gdLst>
+              <a:gd name="connsiteX0" fmla="*/ 14525 w 273777"/>
+              <a:gd name="connsiteY0" fmla="*/ 476 h 194191"/>
+              <a:gd name="connsiteX1" fmla="*/ 138969 w 273777"/>
+              <a:gd name="connsiteY1" fmla="*/ 124139 h 194191"/>
+              <a:gd name="connsiteX2" fmla="*/ 263413 w 273777"/>
+              <a:gd name="connsiteY2" fmla="*/ 476 h 194191"/>
+              <a:gd name="connsiteX3" fmla="*/ 0 w 273777"/>
+              <a:gd name="connsiteY3" fmla="*/ 0 h 194191"/>
+              <a:gd name="connsiteX4" fmla="*/ 273777 w 273777"/>
+              <a:gd name="connsiteY4" fmla="*/ 0 h 194191"/>
+              <a:gd name="connsiteX5" fmla="*/ 273777 w 273777"/>
+              <a:gd name="connsiteY5" fmla="*/ 194191 h 194191"/>
+              <a:gd name="connsiteX6" fmla="*/ 0 w 273777"/>
+              <a:gd name="connsiteY6" fmla="*/ 194191 h 194191"/>
+            </a:gdLst>
+            <a:ahLst/>
+            <a:cxnLst>
+              <a:cxn ang="0">
+                <a:pos x="connsiteX0" y="connsiteY0"/>
+              </a:cxn>
+              <a:cxn ang="0">
+                <a:pos x="connsiteX1" y="connsiteY1"/>
+              </a:cxn>
+              <a:cxn ang="0">
+                <a:pos x="connsiteX2" y="connsiteY2"/>
+              </a:cxn>
+              <a:cxn ang="0">
+                <a:pos x="connsiteX3" y="connsiteY3"/>
+              </a:cxn>
+              <a:cxn ang="0">
+                <a:pos x="connsiteX4" y="connsiteY4"/>
+              </a:cxn>
+              <a:cxn ang="0">
+                <a:pos x="connsiteX5" y="connsiteY5"/>
+              </a:cxn>
+              <a:cxn ang="0">
+                <a:pos x="connsiteX6" y="connsiteY6"/>
+              </a:cxn>
+            </a:cxnLst>
+            <a:rect l="l" t="t" r="r" b="b"/>
+            <a:pathLst>
+              <a:path w="273777" h="194191">
+                <a:moveTo>
+                  <a:pt x="14525" y="476"/>
+                </a:moveTo>
+                <a:lnTo>
+                  <a:pt x="138969" y="124139"/>
+                </a:lnTo>
+                <a:lnTo>
+                  <a:pt x="263413" y="476"/>
+                </a:lnTo>
+                <a:close/>
+                <a:moveTo>
+                  <a:pt x="0" y="0"/>
+                </a:moveTo>
+                <a:lnTo>
+                  <a:pt x="273777" y="0"/>
+                </a:lnTo>
+                <a:lnTo>
+                  <a:pt x="273777" y="194191"/>
+                </a:lnTo>
+                <a:lnTo>
+                  <a:pt x="0" y="194191"/>
+                </a:lnTo>
+                <a:close/>
+              </a:path>
+            </a:pathLst>
+          </a:custGeom>
+          <a:solidFill>
+            <a:srgbClr val="FF8C52"/>
+          </a:solidFill>
+          <a:ln>
+            <a:noFill/>
+          </a:ln>
+        </p:spPr>
+        <p:style>
+          <a:lnRef idx="2">
+            <a:schemeClr val="accent1">
+              <a:shade val="50000"/>
+            </a:schemeClr>
+          </a:lnRef>
+          <a:fillRef idx="1">
+            <a:schemeClr val="accent1"/>
+          </a:fillRef>
+          <a:effectRef idx="0">
+            <a:schemeClr val="accent1"/>
+          </a:effectRef>
+          <a:fontRef idx="minor">
+            <a:schemeClr val="lt1"/>
+          </a:fontRef>
+        </p:style>
+        <p:txBody>
+          <a:bodyPr wrap="square" rtlCol="0" anchor="ctr">
+            <a:noAutofit/>
+          </a:bodyPr>
+          <a:lstStyle/>
+          <a:p>
+            <a:pPr algn="ctr"/>
+            <a:endParaRPr lang="en-AU"/>
+          </a:p>
+        </p:txBody>
+      </p:sp>
+      <p:pic>
+        <p:nvPicPr>
+          <p:cNvPr id="25" name="Picture 24">
+            <a:extLst>
+              <a:ext uri="{FF2B5EF4-FFF2-40B4-BE49-F238E27FC236}">
+                <a16:creationId xmlns:a16="http://schemas.microsoft.com/office/drawing/2014/main" id="{FEFC668B-EF80-45D1-9927-60145DF3ED1B}"/>
+              </a:ext>
+            </a:extLst>
+          </p:cNvPr>
+          <p:cNvPicPr>
+            <a:picLocks noChangeAspect="1"/>
+          </p:cNvPicPr>
+          <p:nvPr/>
+        </p:nvPicPr>
+        <p:blipFill>
+          <a:blip r:embed="rId2"/>
+          <a:stretch>
+            <a:fillRect/>
+          </a:stretch>
+        </p:blipFill>
+        <p:spPr>
+          <a:xfrm>
+            <a:off x="5590404" y="3928207"/>
+            <a:ext cx="313738" cy="310434"/>
+          </a:xfrm>
+          <a:prstGeom prst="rect">
+            <a:avLst/>
+          </a:prstGeom>
+        </p:spPr>
+      </p:pic>
+      <p:pic>
+        <p:nvPicPr>
+          <p:cNvPr id="29" name="Picture 28">
+            <a:extLst>
+              <a:ext uri="{FF2B5EF4-FFF2-40B4-BE49-F238E27FC236}">
+                <a16:creationId xmlns:a16="http://schemas.microsoft.com/office/drawing/2014/main" id="{DF666D98-6E40-4127-BB7F-A63B9E925409}"/>
+              </a:ext>
+            </a:extLst>
+          </p:cNvPr>
+          <p:cNvPicPr>
+            <a:picLocks noChangeAspect="1"/>
+          </p:cNvPicPr>
+          <p:nvPr/>
+        </p:nvPicPr>
+        <p:blipFill>
+          <a:blip r:embed="rId3"/>
+          <a:stretch>
+            <a:fillRect/>
+          </a:stretch>
+        </p:blipFill>
+        <p:spPr>
+          <a:xfrm>
+            <a:off x="5642063" y="5683109"/>
+            <a:ext cx="230977" cy="230977"/>
+          </a:xfrm>
+          <a:prstGeom prst="rect">
+            <a:avLst/>
+          </a:prstGeom>
+        </p:spPr>
+      </p:pic>
+      <p:pic>
+        <p:nvPicPr>
+          <p:cNvPr id="11" name="Picture 10">
+            <a:extLst>
+              <a:ext uri="{FF2B5EF4-FFF2-40B4-BE49-F238E27FC236}">
+                <a16:creationId xmlns:a16="http://schemas.microsoft.com/office/drawing/2014/main" id="{C9E9AF33-69D6-E33B-B302-F79CAEB87995}"/>
+              </a:ext>
+            </a:extLst>
+          </p:cNvPr>
+          <p:cNvPicPr>
+            <a:picLocks noChangeAspect="1"/>
+          </p:cNvPicPr>
+          <p:nvPr/>
+        </p:nvPicPr>
+        <p:blipFill>
+          <a:blip r:embed="rId4"/>
+          <a:stretch>
+            <a:fillRect/>
+          </a:stretch>
+        </p:blipFill>
+        <p:spPr>
+          <a:xfrm>
+            <a:off x="2764073" y="2544549"/>
+            <a:ext cx="1866900" cy="1866900"/>
+          </a:xfrm>
+          <a:prstGeom prst="rect">
+            <a:avLst/>
+          </a:prstGeom>
+        </p:spPr>
+      </p:pic>
+      <p:sp>
+        <p:nvSpPr>
+          <p:cNvPr id="5" name="Rectangle 4">
+            <a:extLst>
+              <a:ext uri="{FF2B5EF4-FFF2-40B4-BE49-F238E27FC236}">
+                <a16:creationId xmlns:a16="http://schemas.microsoft.com/office/drawing/2014/main" id="{954632A6-9E41-E4F6-6F6A-30299247971B}"/>
+              </a:ext>
+            </a:extLst>
+          </p:cNvPr>
+          <p:cNvSpPr/>
+          <p:nvPr/>
+        </p:nvSpPr>
+        <p:spPr>
+          <a:xfrm>
+            <a:off x="2743396" y="2370921"/>
+            <a:ext cx="2061114" cy="2061580"/>
+          </a:xfrm>
+          <a:prstGeom prst="rect">
+            <a:avLst/>
+          </a:prstGeom>
+          <a:gradFill>
+            <a:gsLst>
+              <a:gs pos="70000">
+                <a:srgbClr val="FFFFFF"/>
+              </a:gs>
+              <a:gs pos="62000">
+                <a:schemeClr val="bg1">
+                  <a:alpha val="0"/>
+                </a:schemeClr>
+              </a:gs>
+            </a:gsLst>
+            <a:path path="circle">
+              <a:fillToRect l="50000" t="50000" r="50000" b="50000"/>
+            </a:path>
+          </a:gradFill>
+          <a:ln>
+            <a:noFill/>
+          </a:ln>
+        </p:spPr>
+        <p:style>
+          <a:lnRef idx="2">
+            <a:schemeClr val="accent1">
+              <a:shade val="50000"/>
+            </a:schemeClr>
+          </a:lnRef>
+          <a:fillRef idx="1">
+            <a:schemeClr val="accent1"/>
+          </a:fillRef>
+          <a:effectRef idx="0">
+            <a:schemeClr val="accent1"/>
+          </a:effectRef>
+          <a:fontRef idx="minor">
+            <a:schemeClr val="lt1"/>
+          </a:fontRef>
+        </p:style>
+        <p:txBody>
+          <a:bodyPr rtlCol="0" anchor="ctr"/>
+          <a:lstStyle/>
+          <a:p>
+            <a:pPr algn="ctr"/>
+            <a:endParaRPr lang="en-AU"/>
+          </a:p>
+        </p:txBody>
+      </p:sp>
+      <p:grpSp>
+        <p:nvGrpSpPr>
+          <p:cNvPr id="3" name="Group 2">
+            <a:extLst>
+              <a:ext uri="{FF2B5EF4-FFF2-40B4-BE49-F238E27FC236}">
+                <a16:creationId xmlns:a16="http://schemas.microsoft.com/office/drawing/2014/main" id="{663F1AF4-CB40-79E6-FF84-B969177F23B5}"/>
+              </a:ext>
+            </a:extLst>
+          </p:cNvPr>
+          <p:cNvGrpSpPr/>
+          <p:nvPr/>
+        </p:nvGrpSpPr>
+        <p:grpSpPr>
+          <a:xfrm>
+            <a:off x="2226833" y="4434741"/>
+            <a:ext cx="2990851" cy="1259907"/>
+            <a:chOff x="4600575" y="2600315"/>
+            <a:chExt cx="2990850" cy="1385897"/>
+          </a:xfrm>
+        </p:grpSpPr>
+        <p:pic>
+          <p:nvPicPr>
+            <p:cNvPr id="4" name="Picture 3">
+              <a:extLst>
+                <a:ext uri="{FF2B5EF4-FFF2-40B4-BE49-F238E27FC236}">
+                  <a16:creationId xmlns:a16="http://schemas.microsoft.com/office/drawing/2014/main" id="{8AAA97A2-52C3-1FA4-6645-04E5FB8329E6}"/>
+                </a:ext>
+              </a:extLst>
+            </p:cNvPr>
+            <p:cNvPicPr>
+              <a:picLocks noChangeAspect="1"/>
+            </p:cNvPicPr>
+            <p:nvPr/>
+          </p:nvPicPr>
+          <p:blipFill>
+            <a:blip r:embed="rId5"/>
+            <a:stretch>
+              <a:fillRect/>
+            </a:stretch>
+          </p:blipFill>
+          <p:spPr>
+            <a:xfrm>
+              <a:off x="4600575" y="2871787"/>
+              <a:ext cx="2990850" cy="1114425"/>
+            </a:xfrm>
+            <a:prstGeom prst="rect">
+              <a:avLst/>
+            </a:prstGeom>
+          </p:spPr>
+        </p:pic>
+        <p:sp>
+          <p:nvSpPr>
+            <p:cNvPr id="9" name="Freeform 9">
+              <a:extLst>
+                <a:ext uri="{FF2B5EF4-FFF2-40B4-BE49-F238E27FC236}">
+                  <a16:creationId xmlns:a16="http://schemas.microsoft.com/office/drawing/2014/main" id="{A452583B-4310-9CB4-7339-2AE39E29F161}"/>
+                </a:ext>
+              </a:extLst>
+            </p:cNvPr>
+            <p:cNvSpPr/>
+            <p:nvPr/>
+          </p:nvSpPr>
+          <p:spPr>
+            <a:xfrm>
+              <a:off x="4739363" y="2600315"/>
+              <a:ext cx="971569" cy="971569"/>
+            </a:xfrm>
+            <a:custGeom>
+              <a:avLst/>
+              <a:gdLst>
+                <a:gd name="connsiteX0" fmla="*/ 1080000 w 2160000"/>
+                <a:gd name="connsiteY0" fmla="*/ 0 h 2160000"/>
+                <a:gd name="connsiteX1" fmla="*/ 2154424 w 2160000"/>
+                <a:gd name="connsiteY1" fmla="*/ 969576 h 2160000"/>
+                <a:gd name="connsiteX2" fmla="*/ 2157027 w 2160000"/>
+                <a:gd name="connsiteY2" fmla="*/ 1021127 h 2160000"/>
+                <a:gd name="connsiteX3" fmla="*/ 2159999 w 2160000"/>
+                <a:gd name="connsiteY3" fmla="*/ 1021127 h 2160000"/>
+                <a:gd name="connsiteX4" fmla="*/ 2159999 w 2160000"/>
+                <a:gd name="connsiteY4" fmla="*/ 1079980 h 2160000"/>
+                <a:gd name="connsiteX5" fmla="*/ 2160000 w 2160000"/>
+                <a:gd name="connsiteY5" fmla="*/ 1080000 h 2160000"/>
+                <a:gd name="connsiteX6" fmla="*/ 2159999 w 2160000"/>
+                <a:gd name="connsiteY6" fmla="*/ 1080021 h 2160000"/>
+                <a:gd name="connsiteX7" fmla="*/ 2159999 w 2160000"/>
+                <a:gd name="connsiteY7" fmla="*/ 1716639 h 2160000"/>
+                <a:gd name="connsiteX8" fmla="*/ 2157838 w 2160000"/>
+                <a:gd name="connsiteY8" fmla="*/ 1716639 h 2160000"/>
+                <a:gd name="connsiteX9" fmla="*/ 2160000 w 2160000"/>
+                <a:gd name="connsiteY9" fmla="*/ 1738544 h 2160000"/>
+                <a:gd name="connsiteX10" fmla="*/ 1891921 w 2160000"/>
+                <a:gd name="connsiteY10" fmla="*/ 2012333 h 2160000"/>
+                <a:gd name="connsiteX11" fmla="*/ 1623842 w 2160000"/>
+                <a:gd name="connsiteY11" fmla="*/ 1738544 h 2160000"/>
+                <a:gd name="connsiteX12" fmla="*/ 1626005 w 2160000"/>
+                <a:gd name="connsiteY12" fmla="*/ 1716639 h 2160000"/>
+                <a:gd name="connsiteX13" fmla="*/ 1620298 w 2160000"/>
+                <a:gd name="connsiteY13" fmla="*/ 1716639 h 2160000"/>
+                <a:gd name="connsiteX14" fmla="*/ 1620298 w 2160000"/>
+                <a:gd name="connsiteY14" fmla="*/ 1090950 h 2160000"/>
+                <a:gd name="connsiteX15" fmla="*/ 1618898 w 2160000"/>
+                <a:gd name="connsiteY15" fmla="*/ 1090937 h 2160000"/>
+                <a:gd name="connsiteX16" fmla="*/ 1620000 w 2160000"/>
+                <a:gd name="connsiteY16" fmla="*/ 1080000 h 2160000"/>
+                <a:gd name="connsiteX17" fmla="*/ 1080000 w 2160000"/>
+                <a:gd name="connsiteY17" fmla="*/ 540000 h 2160000"/>
+                <a:gd name="connsiteX18" fmla="*/ 540000 w 2160000"/>
+                <a:gd name="connsiteY18" fmla="*/ 1080000 h 2160000"/>
+                <a:gd name="connsiteX19" fmla="*/ 1080000 w 2160000"/>
+                <a:gd name="connsiteY19" fmla="*/ 1620000 h 2160000"/>
+                <a:gd name="connsiteX20" fmla="*/ 1172144 w 2160000"/>
+                <a:gd name="connsiteY20" fmla="*/ 1610711 h 2160000"/>
+                <a:gd name="connsiteX21" fmla="*/ 1192722 w 2160000"/>
+                <a:gd name="connsiteY21" fmla="*/ 1599542 h 2160000"/>
+                <a:gd name="connsiteX22" fmla="*/ 1205334 w 2160000"/>
+                <a:gd name="connsiteY22" fmla="*/ 1595627 h 2160000"/>
+                <a:gd name="connsiteX23" fmla="*/ 1218649 w 2160000"/>
+                <a:gd name="connsiteY23" fmla="*/ 1594482 h 2160000"/>
+                <a:gd name="connsiteX24" fmla="*/ 1273176 w 2160000"/>
+                <a:gd name="connsiteY24" fmla="*/ 1581875 h 2160000"/>
+                <a:gd name="connsiteX25" fmla="*/ 1277433 w 2160000"/>
+                <a:gd name="connsiteY25" fmla="*/ 1580379 h 2160000"/>
+                <a:gd name="connsiteX26" fmla="*/ 1297818 w 2160000"/>
+                <a:gd name="connsiteY26" fmla="*/ 1578324 h 2160000"/>
+                <a:gd name="connsiteX27" fmla="*/ 1567818 w 2160000"/>
+                <a:gd name="connsiteY27" fmla="*/ 1848324 h 2160000"/>
+                <a:gd name="connsiteX28" fmla="*/ 1469563 w 2160000"/>
+                <a:gd name="connsiteY28" fmla="*/ 2056669 h 2160000"/>
+                <a:gd name="connsiteX29" fmla="*/ 1412948 w 2160000"/>
+                <a:gd name="connsiteY29" fmla="*/ 2091019 h 2160000"/>
+                <a:gd name="connsiteX30" fmla="*/ 1398272 w 2160000"/>
+                <a:gd name="connsiteY30" fmla="*/ 2101498 h 2160000"/>
+                <a:gd name="connsiteX31" fmla="*/ 1374464 w 2160000"/>
+                <a:gd name="connsiteY31" fmla="*/ 2110955 h 2160000"/>
+                <a:gd name="connsiteX32" fmla="*/ 1376211 w 2160000"/>
+                <a:gd name="connsiteY32" fmla="*/ 2117860 h 2160000"/>
+                <a:gd name="connsiteX33" fmla="*/ 1321962 w 2160000"/>
+                <a:gd name="connsiteY33" fmla="*/ 2131809 h 2160000"/>
+                <a:gd name="connsiteX34" fmla="*/ 1306247 w 2160000"/>
+                <a:gd name="connsiteY34" fmla="*/ 2138051 h 2160000"/>
+                <a:gd name="connsiteX35" fmla="*/ 1267530 w 2160000"/>
+                <a:gd name="connsiteY35" fmla="*/ 2142656 h 2160000"/>
+                <a:gd name="connsiteX36" fmla="*/ 1190424 w 2160000"/>
+                <a:gd name="connsiteY36" fmla="*/ 2154424 h 2160000"/>
+                <a:gd name="connsiteX37" fmla="*/ 1080000 w 2160000"/>
+                <a:gd name="connsiteY37" fmla="*/ 2160000 h 2160000"/>
+                <a:gd name="connsiteX38" fmla="*/ 0 w 2160000"/>
+                <a:gd name="connsiteY38" fmla="*/ 1080000 h 2160000"/>
+                <a:gd name="connsiteX39" fmla="*/ 1080000 w 2160000"/>
+                <a:gd name="connsiteY39" fmla="*/ 0 h 2160000"/>
+              </a:gdLst>
+              <a:ahLst/>
+              <a:cxnLst>
+                <a:cxn ang="0">
+                  <a:pos x="connsiteX0" y="connsiteY0"/>
+                </a:cxn>
+                <a:cxn ang="0">
+                  <a:pos x="connsiteX1" y="connsiteY1"/>
+                </a:cxn>
+                <a:cxn ang="0">
+                  <a:pos x="connsiteX2" y="connsiteY2"/>
+                </a:cxn>
+                <a:cxn ang="0">
+                  <a:pos x="connsiteX3" y="connsiteY3"/>
+                </a:cxn>
+                <a:cxn ang="0">
+                  <a:pos x="connsiteX4" y="connsiteY4"/>
+                </a:cxn>
+                <a:cxn ang="0">
+                  <a:pos x="connsiteX5" y="connsiteY5"/>
+                </a:cxn>
+                <a:cxn ang="0">
+                  <a:pos x="connsiteX6" y="connsiteY6"/>
+                </a:cxn>
+                <a:cxn ang="0">
+                  <a:pos x="connsiteX7" y="connsiteY7"/>
+                </a:cxn>
+                <a:cxn ang="0">
+                  <a:pos x="connsiteX8" y="connsiteY8"/>
+                </a:cxn>
+                <a:cxn ang="0">
+                  <a:pos x="connsiteX9" y="connsiteY9"/>
+                </a:cxn>
+                <a:cxn ang="0">
+                  <a:pos x="connsiteX10" y="connsiteY10"/>
+                </a:cxn>
+                <a:cxn ang="0">
+                  <a:pos x="connsiteX11" y="connsiteY11"/>
+                </a:cxn>
+                <a:cxn ang="0">
+                  <a:pos x="connsiteX12" y="connsiteY12"/>
+                </a:cxn>
+                <a:cxn ang="0">
+                  <a:pos x="connsiteX13" y="connsiteY13"/>
+                </a:cxn>
+                <a:cxn ang="0">
+                  <a:pos x="connsiteX14" y="connsiteY14"/>
+                </a:cxn>
+                <a:cxn ang="0">
+                  <a:pos x="connsiteX15" y="connsiteY15"/>
+                </a:cxn>
+                <a:cxn ang="0">
+                  <a:pos x="connsiteX16" y="connsiteY16"/>
+                </a:cxn>
+                <a:cxn ang="0">
+                  <a:pos x="connsiteX17" y="connsiteY17"/>
+                </a:cxn>
+                <a:cxn ang="0">
+                  <a:pos x="connsiteX18" y="connsiteY18"/>
+                </a:cxn>
+                <a:cxn ang="0">
+                  <a:pos x="connsiteX19" y="connsiteY19"/>
+                </a:cxn>
+                <a:cxn ang="0">
+                  <a:pos x="connsiteX20" y="connsiteY20"/>
+                </a:cxn>
+                <a:cxn ang="0">
+                  <a:pos x="connsiteX21" y="connsiteY21"/>
+                </a:cxn>
+                <a:cxn ang="0">
+                  <a:pos x="connsiteX22" y="connsiteY22"/>
+                </a:cxn>
+                <a:cxn ang="0">
+                  <a:pos x="connsiteX23" y="connsiteY23"/>
+                </a:cxn>
+                <a:cxn ang="0">
+                  <a:pos x="connsiteX24" y="connsiteY24"/>
+                </a:cxn>
+                <a:cxn ang="0">
+                  <a:pos x="connsiteX25" y="connsiteY25"/>
+                </a:cxn>
+                <a:cxn ang="0">
+                  <a:pos x="connsiteX26" y="connsiteY26"/>
+                </a:cxn>
+                <a:cxn ang="0">
+                  <a:pos x="connsiteX27" y="connsiteY27"/>
+                </a:cxn>
+                <a:cxn ang="0">
+                  <a:pos x="connsiteX28" y="connsiteY28"/>
+                </a:cxn>
+                <a:cxn ang="0">
+                  <a:pos x="connsiteX29" y="connsiteY29"/>
+                </a:cxn>
+                <a:cxn ang="0">
+                  <a:pos x="connsiteX30" y="connsiteY30"/>
+                </a:cxn>
+                <a:cxn ang="0">
+                  <a:pos x="connsiteX31" y="connsiteY31"/>
+                </a:cxn>
+                <a:cxn ang="0">
+                  <a:pos x="connsiteX32" y="connsiteY32"/>
+                </a:cxn>
+                <a:cxn ang="0">
+                  <a:pos x="connsiteX33" y="connsiteY33"/>
+                </a:cxn>
+                <a:cxn ang="0">
+                  <a:pos x="connsiteX34" y="connsiteY34"/>
+                </a:cxn>
+                <a:cxn ang="0">
+                  <a:pos x="connsiteX35" y="connsiteY35"/>
+                </a:cxn>
+                <a:cxn ang="0">
+                  <a:pos x="connsiteX36" y="connsiteY36"/>
+                </a:cxn>
+                <a:cxn ang="0">
+                  <a:pos x="connsiteX37" y="connsiteY37"/>
+                </a:cxn>
+                <a:cxn ang="0">
+                  <a:pos x="connsiteX38" y="connsiteY38"/>
+                </a:cxn>
+                <a:cxn ang="0">
+                  <a:pos x="connsiteX39" y="connsiteY39"/>
+                </a:cxn>
+              </a:cxnLst>
+              <a:rect l="l" t="t" r="r" b="b"/>
+              <a:pathLst>
+                <a:path w="2160000" h="2160000">
+                  <a:moveTo>
+                    <a:pt x="1080000" y="0"/>
+                  </a:moveTo>
+                  <a:cubicBezTo>
+                    <a:pt x="1639189" y="0"/>
+                    <a:pt x="2099117" y="424979"/>
+                    <a:pt x="2154424" y="969576"/>
+                  </a:cubicBezTo>
+                  <a:lnTo>
+                    <a:pt x="2157027" y="1021127"/>
+                  </a:lnTo>
+                  <a:lnTo>
+                    <a:pt x="2159999" y="1021127"/>
+                  </a:lnTo>
+                  <a:lnTo>
+                    <a:pt x="2159999" y="1079980"/>
+                  </a:lnTo>
+                  <a:lnTo>
+                    <a:pt x="2160000" y="1080000"/>
+                  </a:lnTo>
+                  <a:lnTo>
+                    <a:pt x="2159999" y="1080021"/>
+                  </a:lnTo>
+                  <a:lnTo>
+                    <a:pt x="2159999" y="1716639"/>
+                  </a:lnTo>
+                  <a:lnTo>
+                    <a:pt x="2157838" y="1716639"/>
+                  </a:lnTo>
+                  <a:lnTo>
+                    <a:pt x="2160000" y="1738544"/>
+                  </a:lnTo>
+                  <a:cubicBezTo>
+                    <a:pt x="2160000" y="1889753"/>
+                    <a:pt x="2039977" y="2012333"/>
+                    <a:pt x="1891921" y="2012333"/>
+                  </a:cubicBezTo>
+                  <a:cubicBezTo>
+                    <a:pt x="1743865" y="2012333"/>
+                    <a:pt x="1623842" y="1889753"/>
+                    <a:pt x="1623842" y="1738544"/>
+                  </a:cubicBezTo>
+                  <a:lnTo>
+                    <a:pt x="1626005" y="1716639"/>
+                  </a:lnTo>
+                  <a:lnTo>
+                    <a:pt x="1620298" y="1716639"/>
+                  </a:lnTo>
+                  <a:lnTo>
+                    <a:pt x="1620298" y="1090950"/>
+                  </a:lnTo>
+                  <a:lnTo>
+                    <a:pt x="1618898" y="1090937"/>
+                  </a:lnTo>
+                  <a:lnTo>
+                    <a:pt x="1620000" y="1080000"/>
+                  </a:lnTo>
+                  <a:cubicBezTo>
+                    <a:pt x="1620000" y="781766"/>
+                    <a:pt x="1378234" y="540000"/>
+                    <a:pt x="1080000" y="540000"/>
+                  </a:cubicBezTo>
+                  <a:cubicBezTo>
+                    <a:pt x="781766" y="540000"/>
+                    <a:pt x="540000" y="781766"/>
+                    <a:pt x="540000" y="1080000"/>
+                  </a:cubicBezTo>
+                  <a:cubicBezTo>
+                    <a:pt x="540000" y="1378234"/>
+                    <a:pt x="781766" y="1620000"/>
+                    <a:pt x="1080000" y="1620000"/>
+                  </a:cubicBezTo>
+                  <a:lnTo>
+                    <a:pt x="1172144" y="1610711"/>
+                  </a:lnTo>
+                  <a:lnTo>
+                    <a:pt x="1192722" y="1599542"/>
+                  </a:lnTo>
+                  <a:lnTo>
+                    <a:pt x="1205334" y="1595627"/>
+                  </a:lnTo>
+                  <a:lnTo>
+                    <a:pt x="1218649" y="1594482"/>
+                  </a:lnTo>
+                  <a:cubicBezTo>
+                    <a:pt x="1237851" y="1591023"/>
+                    <a:pt x="1256099" y="1586790"/>
+                    <a:pt x="1273176" y="1581875"/>
+                  </a:cubicBezTo>
+                  <a:lnTo>
+                    <a:pt x="1277433" y="1580379"/>
+                  </a:lnTo>
+                  <a:lnTo>
+                    <a:pt x="1297818" y="1578324"/>
+                  </a:lnTo>
+                  <a:cubicBezTo>
+                    <a:pt x="1446935" y="1578324"/>
+                    <a:pt x="1567818" y="1699207"/>
+                    <a:pt x="1567818" y="1848324"/>
+                  </a:cubicBezTo>
+                  <a:cubicBezTo>
+                    <a:pt x="1567818" y="1932202"/>
+                    <a:pt x="1529570" y="2007147"/>
+                    <a:pt x="1469563" y="2056669"/>
+                  </a:cubicBezTo>
+                  <a:lnTo>
+                    <a:pt x="1412948" y="2091019"/>
+                  </a:lnTo>
+                  <a:lnTo>
+                    <a:pt x="1398272" y="2101498"/>
+                  </a:lnTo>
+                  <a:lnTo>
+                    <a:pt x="1374464" y="2110955"/>
+                  </a:lnTo>
+                  <a:lnTo>
+                    <a:pt x="1376211" y="2117860"/>
+                  </a:lnTo>
+                  <a:lnTo>
+                    <a:pt x="1321962" y="2131809"/>
+                  </a:lnTo>
+                  <a:lnTo>
+                    <a:pt x="1306247" y="2138051"/>
+                  </a:lnTo>
+                  <a:lnTo>
+                    <a:pt x="1267530" y="2142656"/>
+                  </a:lnTo>
+                  <a:lnTo>
+                    <a:pt x="1190424" y="2154424"/>
+                  </a:lnTo>
+                  <a:cubicBezTo>
+                    <a:pt x="1154118" y="2158111"/>
+                    <a:pt x="1117280" y="2160000"/>
+                    <a:pt x="1080000" y="2160000"/>
+                  </a:cubicBezTo>
+                  <a:cubicBezTo>
+                    <a:pt x="483532" y="2160000"/>
+                    <a:pt x="0" y="1676468"/>
+                    <a:pt x="0" y="1080000"/>
+                  </a:cubicBezTo>
+                  <a:cubicBezTo>
+                    <a:pt x="0" y="483532"/>
+                    <a:pt x="483532" y="0"/>
+                    <a:pt x="1080000" y="0"/>
+                  </a:cubicBezTo>
+                  <a:close/>
+                </a:path>
+              </a:pathLst>
+            </a:custGeom>
+            <a:solidFill>
+              <a:srgbClr val="FF8C52"/>
+            </a:solidFill>
+            <a:ln>
+              <a:solidFill>
+                <a:srgbClr val="FF8C52"/>
+              </a:solidFill>
+            </a:ln>
+          </p:spPr>
+          <p:style>
+            <a:lnRef idx="2">
+              <a:schemeClr val="accent1">
+                <a:shade val="50000"/>
+              </a:schemeClr>
+            </a:lnRef>
+            <a:fillRef idx="1">
+              <a:schemeClr val="accent1"/>
+            </a:fillRef>
+            <a:effectRef idx="0">
+              <a:schemeClr val="accent1"/>
+            </a:effectRef>
+            <a:fontRef idx="minor">
+              <a:schemeClr val="lt1"/>
+            </a:fontRef>
+          </p:style>
+          <p:txBody>
+            <a:bodyPr rtlCol="0" anchor="ctr"/>
+            <a:lstStyle/>
+            <a:p>
+              <a:pPr algn="ctr"/>
+              <a:endParaRPr lang="en-AU" dirty="0">
+                <a:latin typeface="Oxygen" panose="02000503000000000000" pitchFamily="2" charset="0"/>
+              </a:endParaRPr>
+            </a:p>
+          </p:txBody>
+        </p:sp>
+      </p:grpSp>
+    </p:spTree>
+    <p:extLst>
+      <p:ext uri="{BB962C8B-B14F-4D97-AF65-F5344CB8AC3E}">
+        <p14:creationId xmlns:p14="http://schemas.microsoft.com/office/powerpoint/2010/main" val="2494152724"/>
+      </p:ext>
+    </p:extLst>
+  </p:cSld>
+  <p:clrMapOvr>
+    <a:masterClrMapping/>
+  </p:clrMapOvr>
+</p:sld>
+</file>
+
+<file path=ppt/slides/slide5.xml><?xml version="1.0" encoding="utf-8"?>
+<p:sld xmlns:a="http://schemas.openxmlformats.org/drawingml/2006/main" xmlns:r="http://schemas.openxmlformats.org/officeDocument/2006/relationships" xmlns:p="http://schemas.openxmlformats.org/presentationml/2006/main">
+  <p:cSld>
+    <p:spTree>
+      <p:nvGrpSpPr>
+        <p:cNvPr id="1" name=""/>
+        <p:cNvGrpSpPr/>
+        <p:nvPr/>
+      </p:nvGrpSpPr>
+      <p:grpSpPr>
+        <a:xfrm>
+          <a:off x="0" y="0"/>
+          <a:ext cx="0" cy="0"/>
+          <a:chOff x="0" y="0"/>
+          <a:chExt cx="0" cy="0"/>
+        </a:xfrm>
+      </p:grpSpPr>
+      <p:sp>
+        <p:nvSpPr>
+          <p:cNvPr id="2" name="TextBox 1"/>
+          <p:cNvSpPr txBox="1"/>
+          <p:nvPr/>
+        </p:nvSpPr>
+        <p:spPr>
+          <a:xfrm>
+            <a:off x="2486370" y="329881"/>
+            <a:ext cx="3421129" cy="523220"/>
+          </a:xfrm>
+          <a:prstGeom prst="rect">
+            <a:avLst/>
+          </a:prstGeom>
+          <a:noFill/>
+        </p:spPr>
+        <p:txBody>
+          <a:bodyPr wrap="none" rtlCol="0">
+            <a:spAutoFit/>
+          </a:bodyPr>
+          <a:lstStyle/>
+          <a:p>
+            <a:r>
+              <a:rPr lang="en-AU" sz="2800" b="1" u="sng" dirty="0">
+                <a:latin typeface="Oxygen" panose="02000503000000000000" pitchFamily="2" charset="0"/>
+              </a:rPr>
+              <a:t>Identity Card – CIO</a:t>
+            </a:r>
+          </a:p>
+        </p:txBody>
+      </p:sp>
+      <p:sp>
+        <p:nvSpPr>
+          <p:cNvPr id="14" name="Freeform 7">
+            <a:extLst>
+              <a:ext uri="{FF2B5EF4-FFF2-40B4-BE49-F238E27FC236}">
+                <a16:creationId xmlns:a16="http://schemas.microsoft.com/office/drawing/2014/main" id="{0812EEAD-DDD2-4808-A407-5451476AFC24}"/>
+              </a:ext>
+            </a:extLst>
+          </p:cNvPr>
+          <p:cNvSpPr/>
+          <p:nvPr/>
+        </p:nvSpPr>
+        <p:spPr>
+          <a:xfrm>
+            <a:off x="1971670" y="1311674"/>
+            <a:ext cx="7560000" cy="5040000"/>
+          </a:xfrm>
+          <a:custGeom>
+            <a:avLst/>
+            <a:gdLst>
+              <a:gd name="connsiteX0" fmla="*/ 1055455 w 8475260"/>
+              <a:gd name="connsiteY0" fmla="*/ 0 h 5431810"/>
+              <a:gd name="connsiteX1" fmla="*/ 7419805 w 8475260"/>
+              <a:gd name="connsiteY1" fmla="*/ 0 h 5431810"/>
+              <a:gd name="connsiteX2" fmla="*/ 7419824 w 8475260"/>
+              <a:gd name="connsiteY2" fmla="*/ 1 h 5431810"/>
+              <a:gd name="connsiteX3" fmla="*/ 8475260 w 8475260"/>
+              <a:gd name="connsiteY3" fmla="*/ 1 h 5431810"/>
+              <a:gd name="connsiteX4" fmla="*/ 8475260 w 8475260"/>
+              <a:gd name="connsiteY4" fmla="*/ 1055455 h 5431810"/>
+              <a:gd name="connsiteX5" fmla="*/ 8475260 w 8475260"/>
+              <a:gd name="connsiteY5" fmla="*/ 2606723 h 5431810"/>
+              <a:gd name="connsiteX6" fmla="*/ 8475260 w 8475260"/>
+              <a:gd name="connsiteY6" fmla="*/ 4376354 h 5431810"/>
+              <a:gd name="connsiteX7" fmla="*/ 7419805 w 8475260"/>
+              <a:gd name="connsiteY7" fmla="*/ 5431809 h 5431810"/>
+              <a:gd name="connsiteX8" fmla="*/ 4148920 w 8475260"/>
+              <a:gd name="connsiteY8" fmla="*/ 5431809 h 5431810"/>
+              <a:gd name="connsiteX9" fmla="*/ 4148920 w 8475260"/>
+              <a:gd name="connsiteY9" fmla="*/ 5431810 h 5431810"/>
+              <a:gd name="connsiteX10" fmla="*/ 0 w 8475260"/>
+              <a:gd name="connsiteY10" fmla="*/ 5431810 h 5431810"/>
+              <a:gd name="connsiteX11" fmla="*/ 0 w 8475260"/>
+              <a:gd name="connsiteY11" fmla="*/ 4376354 h 5431810"/>
+              <a:gd name="connsiteX12" fmla="*/ 0 w 8475260"/>
+              <a:gd name="connsiteY12" fmla="*/ 2825088 h 5431810"/>
+              <a:gd name="connsiteX13" fmla="*/ 0 w 8475260"/>
+              <a:gd name="connsiteY13" fmla="*/ 1055455 h 5431810"/>
+              <a:gd name="connsiteX14" fmla="*/ 1055455 w 8475260"/>
+              <a:gd name="connsiteY14" fmla="*/ 0 h 5431810"/>
+            </a:gdLst>
+            <a:ahLst/>
+            <a:cxnLst>
+              <a:cxn ang="0">
+                <a:pos x="connsiteX0" y="connsiteY0"/>
+              </a:cxn>
+              <a:cxn ang="0">
+                <a:pos x="connsiteX1" y="connsiteY1"/>
+              </a:cxn>
+              <a:cxn ang="0">
+                <a:pos x="connsiteX2" y="connsiteY2"/>
+              </a:cxn>
+              <a:cxn ang="0">
+                <a:pos x="connsiteX3" y="connsiteY3"/>
+              </a:cxn>
+              <a:cxn ang="0">
+                <a:pos x="connsiteX4" y="connsiteY4"/>
+              </a:cxn>
+              <a:cxn ang="0">
+                <a:pos x="connsiteX5" y="connsiteY5"/>
+              </a:cxn>
+              <a:cxn ang="0">
+                <a:pos x="connsiteX6" y="connsiteY6"/>
+              </a:cxn>
+              <a:cxn ang="0">
+                <a:pos x="connsiteX7" y="connsiteY7"/>
+              </a:cxn>
+              <a:cxn ang="0">
+                <a:pos x="connsiteX8" y="connsiteY8"/>
+              </a:cxn>
+              <a:cxn ang="0">
+                <a:pos x="connsiteX9" y="connsiteY9"/>
+              </a:cxn>
+              <a:cxn ang="0">
+                <a:pos x="connsiteX10" y="connsiteY10"/>
+              </a:cxn>
+              <a:cxn ang="0">
+                <a:pos x="connsiteX11" y="connsiteY11"/>
+              </a:cxn>
+              <a:cxn ang="0">
+                <a:pos x="connsiteX12" y="connsiteY12"/>
+              </a:cxn>
+              <a:cxn ang="0">
+                <a:pos x="connsiteX13" y="connsiteY13"/>
+              </a:cxn>
+              <a:cxn ang="0">
+                <a:pos x="connsiteX14" y="connsiteY14"/>
+              </a:cxn>
+            </a:cxnLst>
+            <a:rect l="l" t="t" r="r" b="b"/>
+            <a:pathLst>
+              <a:path w="8475260" h="5431810">
+                <a:moveTo>
+                  <a:pt x="1055455" y="0"/>
+                </a:moveTo>
+                <a:lnTo>
+                  <a:pt x="7419805" y="0"/>
+                </a:lnTo>
+                <a:lnTo>
+                  <a:pt x="7419824" y="1"/>
+                </a:lnTo>
+                <a:lnTo>
+                  <a:pt x="8475260" y="1"/>
+                </a:lnTo>
+                <a:lnTo>
+                  <a:pt x="8475260" y="1055455"/>
+                </a:lnTo>
+                <a:lnTo>
+                  <a:pt x="8475260" y="2606723"/>
+                </a:lnTo>
+                <a:lnTo>
+                  <a:pt x="8475260" y="4376354"/>
+                </a:lnTo>
+                <a:cubicBezTo>
+                  <a:pt x="8475260" y="4959266"/>
+                  <a:pt x="8002717" y="5431809"/>
+                  <a:pt x="7419805" y="5431809"/>
+                </a:cubicBezTo>
+                <a:lnTo>
+                  <a:pt x="4148920" y="5431809"/>
+                </a:lnTo>
+                <a:lnTo>
+                  <a:pt x="4148920" y="5431810"/>
+                </a:lnTo>
+                <a:lnTo>
+                  <a:pt x="0" y="5431810"/>
+                </a:lnTo>
+                <a:lnTo>
+                  <a:pt x="0" y="4376354"/>
+                </a:lnTo>
+                <a:lnTo>
+                  <a:pt x="0" y="2825088"/>
+                </a:lnTo>
+                <a:lnTo>
+                  <a:pt x="0" y="1055455"/>
+                </a:lnTo>
+                <a:cubicBezTo>
+                  <a:pt x="0" y="472543"/>
+                  <a:pt x="472543" y="0"/>
+                  <a:pt x="1055455" y="0"/>
+                </a:cubicBezTo>
+                <a:close/>
+              </a:path>
+            </a:pathLst>
+          </a:custGeom>
+          <a:solidFill>
+            <a:schemeClr val="bg1"/>
+          </a:solidFill>
+          <a:ln>
+            <a:noFill/>
+          </a:ln>
+          <a:effectLst>
+            <a:glow rad="228600">
+              <a:schemeClr val="accent3">
+                <a:satMod val="175000"/>
+                <a:alpha val="40000"/>
+              </a:schemeClr>
+            </a:glow>
+          </a:effectLst>
+        </p:spPr>
+        <p:style>
+          <a:lnRef idx="2">
+            <a:schemeClr val="accent1">
+              <a:shade val="50000"/>
+            </a:schemeClr>
+          </a:lnRef>
+          <a:fillRef idx="1">
+            <a:schemeClr val="accent1"/>
+          </a:fillRef>
+          <a:effectRef idx="0">
+            <a:schemeClr val="accent1"/>
+          </a:effectRef>
+          <a:fontRef idx="minor">
+            <a:schemeClr val="lt1"/>
+          </a:fontRef>
+        </p:style>
+        <p:txBody>
+          <a:bodyPr rtlCol="0" anchor="ctr"/>
+          <a:lstStyle/>
+          <a:p>
+            <a:pPr algn="ctr"/>
+            <a:r>
+              <a:rPr lang="en-AU" dirty="0">
+                <a:latin typeface="Oxygen" panose="02000503000000000000" pitchFamily="2" charset="0"/>
+              </a:rPr>
+              <a:t>e05a</a:t>
+            </a:r>
+          </a:p>
+        </p:txBody>
+      </p:sp>
+      <p:sp>
+        <p:nvSpPr>
+          <p:cNvPr id="20" name="Rectangle 19">
+            <a:extLst>
+              <a:ext uri="{FF2B5EF4-FFF2-40B4-BE49-F238E27FC236}">
+                <a16:creationId xmlns:a16="http://schemas.microsoft.com/office/drawing/2014/main" id="{23173713-9A71-4CBF-8C12-530A1572993A}"/>
+              </a:ext>
+            </a:extLst>
+          </p:cNvPr>
+          <p:cNvSpPr/>
+          <p:nvPr/>
+        </p:nvSpPr>
+        <p:spPr>
+          <a:xfrm>
+            <a:off x="5329234" y="1311674"/>
+            <a:ext cx="36000" cy="5040000"/>
+          </a:xfrm>
+          <a:prstGeom prst="rect">
+            <a:avLst/>
+          </a:prstGeom>
+          <a:gradFill>
+            <a:gsLst>
+              <a:gs pos="0">
+                <a:schemeClr val="bg1"/>
+              </a:gs>
+              <a:gs pos="60000">
+                <a:srgbClr val="FF8C52"/>
+              </a:gs>
+              <a:gs pos="40000">
+                <a:srgbClr val="FF8C52"/>
+              </a:gs>
+              <a:gs pos="20000">
+                <a:schemeClr val="bg1"/>
+              </a:gs>
+              <a:gs pos="80000">
+                <a:schemeClr val="bg1"/>
+              </a:gs>
+              <a:gs pos="100000">
+                <a:schemeClr val="bg1"/>
+              </a:gs>
+            </a:gsLst>
+            <a:lin ang="5400000" scaled="1"/>
+          </a:gradFill>
+          <a:ln>
+            <a:noFill/>
+          </a:ln>
+        </p:spPr>
+        <p:style>
+          <a:lnRef idx="2">
+            <a:schemeClr val="accent1">
+              <a:shade val="50000"/>
+            </a:schemeClr>
+          </a:lnRef>
+          <a:fillRef idx="1">
+            <a:schemeClr val="accent1"/>
+          </a:fillRef>
+          <a:effectRef idx="0">
+            <a:schemeClr val="accent1"/>
+          </a:effectRef>
+          <a:fontRef idx="minor">
+            <a:schemeClr val="lt1"/>
+          </a:fontRef>
+        </p:style>
+        <p:txBody>
+          <a:bodyPr rtlCol="0" anchor="ctr"/>
+          <a:lstStyle/>
+          <a:p>
+            <a:pPr algn="ctr"/>
+            <a:endParaRPr lang="en-AU">
+              <a:latin typeface="Oxygen" panose="02000503000000000000" pitchFamily="2" charset="0"/>
+            </a:endParaRPr>
+          </a:p>
+        </p:txBody>
+      </p:sp>
+      <p:sp>
+        <p:nvSpPr>
+          <p:cNvPr id="21" name="TextBox 20">
+            <a:extLst>
+              <a:ext uri="{FF2B5EF4-FFF2-40B4-BE49-F238E27FC236}">
+                <a16:creationId xmlns:a16="http://schemas.microsoft.com/office/drawing/2014/main" id="{63F188B8-164A-4091-A3E1-A7C3EF5EEAE5}"/>
+              </a:ext>
+            </a:extLst>
+          </p:cNvPr>
+          <p:cNvSpPr txBox="1"/>
+          <p:nvPr/>
+        </p:nvSpPr>
+        <p:spPr>
+          <a:xfrm>
+            <a:off x="5907499" y="2107698"/>
+            <a:ext cx="3438762" cy="3062377"/>
+          </a:xfrm>
+          <a:prstGeom prst="rect">
+            <a:avLst/>
+          </a:prstGeom>
+          <a:noFill/>
+        </p:spPr>
+        <p:txBody>
+          <a:bodyPr wrap="none" rtlCol="0">
+            <a:spAutoFit/>
+          </a:bodyPr>
+          <a:lstStyle/>
+          <a:p>
+            <a:pPr>
+              <a:spcAft>
+                <a:spcPts val="600"/>
+              </a:spcAft>
+            </a:pPr>
+            <a:r>
+              <a:rPr lang="en-AU" sz="2400" b="1" dirty="0">
+                <a:latin typeface="Oxygen" panose="02000503000000000000" pitchFamily="2" charset="0"/>
+              </a:rPr>
+              <a:t>Mr. Debashish Nath</a:t>
+            </a:r>
+          </a:p>
+          <a:p>
+            <a:pPr>
+              <a:spcAft>
+                <a:spcPts val="600"/>
+              </a:spcAft>
+            </a:pPr>
+            <a:r>
+              <a:rPr lang="en-AU" b="1" dirty="0">
+                <a:latin typeface="Oxygen" panose="02000503000000000000" pitchFamily="2" charset="0"/>
+              </a:rPr>
+              <a:t>C.I.O.</a:t>
+            </a:r>
+          </a:p>
+          <a:p>
+            <a:pPr>
+              <a:spcAft>
+                <a:spcPts val="600"/>
+              </a:spcAft>
+            </a:pPr>
+            <a:endParaRPr lang="en-AU" b="1" dirty="0">
+              <a:latin typeface="Oxygen" panose="02000503000000000000" pitchFamily="2" charset="0"/>
+            </a:endParaRPr>
+          </a:p>
+          <a:p>
+            <a:pPr>
+              <a:lnSpc>
+                <a:spcPct val="150000"/>
+              </a:lnSpc>
+              <a:spcAft>
+                <a:spcPts val="600"/>
+              </a:spcAft>
+            </a:pPr>
+            <a:r>
+              <a:rPr lang="en-AU" b="1" dirty="0">
+                <a:latin typeface="Oxygen" panose="02000503000000000000" pitchFamily="2" charset="0"/>
+              </a:rPr>
+              <a:t>      </a:t>
+            </a:r>
+            <a:r>
+              <a:rPr lang="en-AU" b="1" u="sng" dirty="0">
+                <a:solidFill>
+                  <a:srgbClr val="002060"/>
+                </a:solidFill>
+                <a:latin typeface="Oxygen" panose="02000503000000000000" pitchFamily="2" charset="0"/>
+              </a:rPr>
+              <a:t>anodiam.dn@gmail.com</a:t>
+            </a:r>
+          </a:p>
+          <a:p>
+            <a:pPr>
+              <a:lnSpc>
+                <a:spcPct val="150000"/>
+              </a:lnSpc>
+              <a:spcAft>
+                <a:spcPts val="600"/>
+              </a:spcAft>
+            </a:pPr>
+            <a:r>
+              <a:rPr lang="en-AU" b="1" dirty="0">
+                <a:latin typeface="Oxygen" panose="02000503000000000000" pitchFamily="2" charset="0"/>
+              </a:rPr>
+              <a:t>      +91 79759 42642</a:t>
+            </a:r>
+          </a:p>
+          <a:p>
+            <a:r>
+              <a:rPr lang="en-AU" b="1" dirty="0">
+                <a:latin typeface="Oxygen" panose="02000503000000000000" pitchFamily="2" charset="0"/>
+              </a:rPr>
+              <a:t>       N – 1/25 Patuli</a:t>
+            </a:r>
+          </a:p>
+          <a:p>
+            <a:r>
+              <a:rPr lang="en-AU" b="1" dirty="0">
+                <a:latin typeface="Oxygen" panose="02000503000000000000" pitchFamily="2" charset="0"/>
+              </a:rPr>
+              <a:t>       Near Krishi Bikash Kendra</a:t>
+            </a:r>
+          </a:p>
+          <a:p>
+            <a:r>
+              <a:rPr lang="en-AU" b="1" dirty="0">
+                <a:latin typeface="Oxygen" panose="02000503000000000000" pitchFamily="2" charset="0"/>
+              </a:rPr>
+              <a:t>       Kolkata 700094</a:t>
+            </a:r>
+          </a:p>
+        </p:txBody>
+      </p:sp>
+      <p:sp>
+        <p:nvSpPr>
+          <p:cNvPr id="22" name="Rectangle 21">
+            <a:extLst>
+              <a:ext uri="{FF2B5EF4-FFF2-40B4-BE49-F238E27FC236}">
+                <a16:creationId xmlns:a16="http://schemas.microsoft.com/office/drawing/2014/main" id="{3E687DAF-48B4-4207-A80F-5D17C33AE3F0}"/>
+              </a:ext>
+            </a:extLst>
+          </p:cNvPr>
+          <p:cNvSpPr/>
+          <p:nvPr/>
+        </p:nvSpPr>
+        <p:spPr>
+          <a:xfrm>
+            <a:off x="6293412" y="5249448"/>
+            <a:ext cx="1880643" cy="400110"/>
+          </a:xfrm>
+          <a:prstGeom prst="rect">
+            <a:avLst/>
+          </a:prstGeom>
+        </p:spPr>
+        <p:txBody>
+          <a:bodyPr wrap="none">
+            <a:spAutoFit/>
+          </a:bodyPr>
+          <a:lstStyle/>
+          <a:p>
+            <a:r>
+              <a:rPr lang="en-AU" b="1" dirty="0">
+                <a:solidFill>
+                  <a:srgbClr val="002060"/>
+                </a:solidFill>
+                <a:latin typeface="Oxygen" panose="02000503000000000000" pitchFamily="2" charset="0"/>
+              </a:rPr>
+              <a:t> </a:t>
+            </a:r>
+            <a:r>
+              <a:rPr lang="en-AU" sz="2000" b="1" dirty="0">
+                <a:solidFill>
+                  <a:srgbClr val="002060"/>
+                </a:solidFill>
+                <a:latin typeface="Oxygen" panose="02000503000000000000" pitchFamily="2" charset="0"/>
+              </a:rPr>
+              <a:t>anodiam.com</a:t>
+            </a:r>
+            <a:endParaRPr lang="en-AU" sz="2000" dirty="0">
+              <a:latin typeface="Oxygen" panose="02000503000000000000" pitchFamily="2" charset="0"/>
+            </a:endParaRPr>
+          </a:p>
+        </p:txBody>
+      </p:sp>
+      <p:sp>
+        <p:nvSpPr>
+          <p:cNvPr id="23" name="Freeform: Shape 22">
+            <a:extLst>
+              <a:ext uri="{FF2B5EF4-FFF2-40B4-BE49-F238E27FC236}">
+                <a16:creationId xmlns:a16="http://schemas.microsoft.com/office/drawing/2014/main" id="{CF80B12C-44D3-4ADC-9100-23862583F08A}"/>
+              </a:ext>
+            </a:extLst>
+          </p:cNvPr>
+          <p:cNvSpPr/>
+          <p:nvPr/>
+        </p:nvSpPr>
+        <p:spPr>
+          <a:xfrm rot="8100000">
+            <a:off x="6028132" y="4266360"/>
+            <a:ext cx="252000" cy="252000"/>
+          </a:xfrm>
+          <a:custGeom>
+            <a:avLst/>
+            <a:gdLst>
+              <a:gd name="connsiteX0" fmla="*/ 93671 w 252000"/>
+              <a:gd name="connsiteY0" fmla="*/ 158330 h 252000"/>
+              <a:gd name="connsiteX1" fmla="*/ 158329 w 252000"/>
+              <a:gd name="connsiteY1" fmla="*/ 158330 h 252000"/>
+              <a:gd name="connsiteX2" fmla="*/ 158329 w 252000"/>
+              <a:gd name="connsiteY2" fmla="*/ 93672 h 252000"/>
+              <a:gd name="connsiteX3" fmla="*/ 93671 w 252000"/>
+              <a:gd name="connsiteY3" fmla="*/ 93672 h 252000"/>
+              <a:gd name="connsiteX4" fmla="*/ 93671 w 252000"/>
+              <a:gd name="connsiteY4" fmla="*/ 158330 h 252000"/>
+              <a:gd name="connsiteX5" fmla="*/ 36905 w 252000"/>
+              <a:gd name="connsiteY5" fmla="*/ 215095 h 252000"/>
+              <a:gd name="connsiteX6" fmla="*/ 0 w 252000"/>
+              <a:gd name="connsiteY6" fmla="*/ 126000 h 252000"/>
+              <a:gd name="connsiteX7" fmla="*/ 126000 w 252000"/>
+              <a:gd name="connsiteY7" fmla="*/ 0 h 252000"/>
+              <a:gd name="connsiteX8" fmla="*/ 252000 w 252000"/>
+              <a:gd name="connsiteY8" fmla="*/ 0 h 252000"/>
+              <a:gd name="connsiteX9" fmla="*/ 252000 w 252000"/>
+              <a:gd name="connsiteY9" fmla="*/ 126000 h 252000"/>
+              <a:gd name="connsiteX10" fmla="*/ 126000 w 252000"/>
+              <a:gd name="connsiteY10" fmla="*/ 252000 h 252000"/>
+              <a:gd name="connsiteX11" fmla="*/ 36905 w 252000"/>
+              <a:gd name="connsiteY11" fmla="*/ 215095 h 252000"/>
+            </a:gdLst>
+            <a:ahLst/>
+            <a:cxnLst>
+              <a:cxn ang="0">
+                <a:pos x="connsiteX0" y="connsiteY0"/>
+              </a:cxn>
+              <a:cxn ang="0">
+                <a:pos x="connsiteX1" y="connsiteY1"/>
+              </a:cxn>
+              <a:cxn ang="0">
+                <a:pos x="connsiteX2" y="connsiteY2"/>
+              </a:cxn>
+              <a:cxn ang="0">
+                <a:pos x="connsiteX3" y="connsiteY3"/>
+              </a:cxn>
+              <a:cxn ang="0">
+                <a:pos x="connsiteX4" y="connsiteY4"/>
+              </a:cxn>
+              <a:cxn ang="0">
+                <a:pos x="connsiteX5" y="connsiteY5"/>
+              </a:cxn>
+              <a:cxn ang="0">
+                <a:pos x="connsiteX6" y="connsiteY6"/>
+              </a:cxn>
+              <a:cxn ang="0">
+                <a:pos x="connsiteX7" y="connsiteY7"/>
+              </a:cxn>
+              <a:cxn ang="0">
+                <a:pos x="connsiteX8" y="connsiteY8"/>
+              </a:cxn>
+              <a:cxn ang="0">
+                <a:pos x="connsiteX9" y="connsiteY9"/>
+              </a:cxn>
+              <a:cxn ang="0">
+                <a:pos x="connsiteX10" y="connsiteY10"/>
+              </a:cxn>
+              <a:cxn ang="0">
+                <a:pos x="connsiteX11" y="connsiteY11"/>
+              </a:cxn>
+            </a:cxnLst>
+            <a:rect l="l" t="t" r="r" b="b"/>
+            <a:pathLst>
+              <a:path w="252000" h="252000">
+                <a:moveTo>
+                  <a:pt x="93671" y="158330"/>
+                </a:moveTo>
+                <a:cubicBezTo>
+                  <a:pt x="111526" y="176185"/>
+                  <a:pt x="140474" y="176185"/>
+                  <a:pt x="158329" y="158330"/>
+                </a:cubicBezTo>
+                <a:cubicBezTo>
+                  <a:pt x="176183" y="140476"/>
+                  <a:pt x="176183" y="111527"/>
+                  <a:pt x="158329" y="93672"/>
+                </a:cubicBezTo>
+                <a:cubicBezTo>
+                  <a:pt x="140474" y="75818"/>
+                  <a:pt x="111526" y="75818"/>
+                  <a:pt x="93671" y="93672"/>
+                </a:cubicBezTo>
+                <a:cubicBezTo>
+                  <a:pt x="75817" y="111527"/>
+                  <a:pt x="75817" y="140476"/>
+                  <a:pt x="93671" y="158330"/>
+                </a:cubicBezTo>
+                <a:close/>
+                <a:moveTo>
+                  <a:pt x="36905" y="215095"/>
+                </a:moveTo>
+                <a:cubicBezTo>
+                  <a:pt x="14103" y="192294"/>
+                  <a:pt x="0" y="160794"/>
+                  <a:pt x="0" y="126000"/>
+                </a:cubicBezTo>
+                <a:cubicBezTo>
+                  <a:pt x="0" y="56412"/>
+                  <a:pt x="56412" y="0"/>
+                  <a:pt x="126000" y="0"/>
+                </a:cubicBezTo>
+                <a:lnTo>
+                  <a:pt x="252000" y="0"/>
+                </a:lnTo>
+                <a:lnTo>
+                  <a:pt x="252000" y="126000"/>
+                </a:lnTo>
+                <a:cubicBezTo>
+                  <a:pt x="252000" y="195588"/>
+                  <a:pt x="195588" y="252000"/>
+                  <a:pt x="126000" y="252000"/>
+                </a:cubicBezTo>
+                <a:cubicBezTo>
+                  <a:pt x="91206" y="252000"/>
+                  <a:pt x="59706" y="237897"/>
+                  <a:pt x="36905" y="215095"/>
+                </a:cubicBezTo>
+                <a:close/>
+              </a:path>
+            </a:pathLst>
+          </a:custGeom>
+          <a:solidFill>
+            <a:srgbClr val="FF8C52"/>
+          </a:solidFill>
+          <a:ln>
+            <a:noFill/>
+          </a:ln>
+        </p:spPr>
+        <p:style>
+          <a:lnRef idx="2">
+            <a:schemeClr val="accent1">
+              <a:shade val="50000"/>
+            </a:schemeClr>
+          </a:lnRef>
+          <a:fillRef idx="1">
+            <a:schemeClr val="accent1"/>
+          </a:fillRef>
+          <a:effectRef idx="0">
+            <a:schemeClr val="accent1"/>
+          </a:effectRef>
+          <a:fontRef idx="minor">
+            <a:schemeClr val="lt1"/>
+          </a:fontRef>
+        </p:style>
+        <p:txBody>
+          <a:bodyPr wrap="square" rtlCol="0" anchor="ctr">
+            <a:noAutofit/>
+          </a:bodyPr>
+          <a:lstStyle/>
+          <a:p>
+            <a:pPr algn="ctr"/>
+            <a:endParaRPr lang="en-AU"/>
+          </a:p>
+        </p:txBody>
+      </p:sp>
+      <p:sp>
+        <p:nvSpPr>
+          <p:cNvPr id="24" name="Isosceles Triangle 23">
+            <a:extLst>
+              <a:ext uri="{FF2B5EF4-FFF2-40B4-BE49-F238E27FC236}">
+                <a16:creationId xmlns:a16="http://schemas.microsoft.com/office/drawing/2014/main" id="{53E014D2-C2CC-46FD-A6CE-98BF47255732}"/>
+              </a:ext>
+            </a:extLst>
+          </p:cNvPr>
+          <p:cNvSpPr/>
+          <p:nvPr/>
+        </p:nvSpPr>
+        <p:spPr>
+          <a:xfrm>
+            <a:off x="6027919" y="3361350"/>
+            <a:ext cx="248888" cy="123663"/>
+          </a:xfrm>
+          <a:prstGeom prst="triangle">
+            <a:avLst/>
+          </a:prstGeom>
+          <a:solidFill>
+            <a:srgbClr val="FF8C52"/>
+          </a:solidFill>
+          <a:ln>
+            <a:noFill/>
+          </a:ln>
+        </p:spPr>
+        <p:style>
+          <a:lnRef idx="2">
+            <a:schemeClr val="accent1">
+              <a:shade val="50000"/>
+            </a:schemeClr>
+          </a:lnRef>
+          <a:fillRef idx="1">
+            <a:schemeClr val="accent1"/>
+          </a:fillRef>
+          <a:effectRef idx="0">
+            <a:schemeClr val="accent1"/>
+          </a:effectRef>
+          <a:fontRef idx="minor">
+            <a:schemeClr val="lt1"/>
+          </a:fontRef>
+        </p:style>
+        <p:txBody>
+          <a:bodyPr rtlCol="0" anchor="ctr"/>
+          <a:lstStyle/>
+          <a:p>
+            <a:pPr algn="ctr"/>
+            <a:endParaRPr lang="en-AU"/>
+          </a:p>
+        </p:txBody>
+      </p:sp>
+      <p:sp>
+        <p:nvSpPr>
+          <p:cNvPr id="25" name="Isosceles Triangle 24">
+            <a:extLst>
+              <a:ext uri="{FF2B5EF4-FFF2-40B4-BE49-F238E27FC236}">
+                <a16:creationId xmlns:a16="http://schemas.microsoft.com/office/drawing/2014/main" id="{3618B24B-9F40-4F29-A0AB-2FBAC8C77F6B}"/>
+              </a:ext>
+            </a:extLst>
+          </p:cNvPr>
+          <p:cNvSpPr/>
+          <p:nvPr/>
+        </p:nvSpPr>
+        <p:spPr>
+          <a:xfrm rot="10800000">
+            <a:off x="6041313" y="3483202"/>
+            <a:ext cx="226262" cy="123664"/>
+          </a:xfrm>
+          <a:prstGeom prst="triangle">
+            <a:avLst/>
+          </a:prstGeom>
+          <a:solidFill>
+            <a:srgbClr val="FFAD52"/>
+          </a:solidFill>
+          <a:ln>
+            <a:noFill/>
+          </a:ln>
+        </p:spPr>
+        <p:style>
+          <a:lnRef idx="2">
+            <a:schemeClr val="accent1">
+              <a:shade val="50000"/>
+            </a:schemeClr>
+          </a:lnRef>
+          <a:fillRef idx="1">
+            <a:schemeClr val="accent1"/>
+          </a:fillRef>
+          <a:effectRef idx="0">
+            <a:schemeClr val="accent1"/>
+          </a:effectRef>
+          <a:fontRef idx="minor">
+            <a:schemeClr val="lt1"/>
+          </a:fontRef>
+        </p:style>
+        <p:txBody>
+          <a:bodyPr rtlCol="0" anchor="ctr"/>
+          <a:lstStyle/>
+          <a:p>
+            <a:pPr algn="ctr"/>
+            <a:endParaRPr lang="en-AU"/>
+          </a:p>
+        </p:txBody>
+      </p:sp>
+      <p:sp>
+        <p:nvSpPr>
+          <p:cNvPr id="26" name="TextBox 25">
+            <a:extLst>
+              <a:ext uri="{FF2B5EF4-FFF2-40B4-BE49-F238E27FC236}">
+                <a16:creationId xmlns:a16="http://schemas.microsoft.com/office/drawing/2014/main" id="{76D3526A-9877-4C26-AD42-24EE83D10068}"/>
+              </a:ext>
+            </a:extLst>
+          </p:cNvPr>
+          <p:cNvSpPr txBox="1"/>
+          <p:nvPr/>
+        </p:nvSpPr>
+        <p:spPr>
+          <a:xfrm>
+            <a:off x="5980728" y="3339599"/>
+            <a:ext cx="258290" cy="307777"/>
+          </a:xfrm>
+          <a:prstGeom prst="rect">
+            <a:avLst/>
+          </a:prstGeom>
+          <a:noFill/>
+        </p:spPr>
+        <p:txBody>
+          <a:bodyPr wrap="square" rtlCol="0">
+            <a:spAutoFit/>
+          </a:bodyPr>
+          <a:lstStyle/>
+          <a:p>
+            <a:r>
+              <a:rPr lang="en-US" sz="1400" b="1" dirty="0">
+                <a:solidFill>
+                  <a:schemeClr val="bg1"/>
+                </a:solidFill>
+                <a:latin typeface="Oxygen" panose="02000503000000000000" pitchFamily="2" charset="0"/>
+              </a:rPr>
+              <a:t>@</a:t>
+            </a:r>
+            <a:endParaRPr lang="en-AU" sz="1400" b="1" dirty="0">
+              <a:solidFill>
+                <a:schemeClr val="bg1"/>
+              </a:solidFill>
+              <a:latin typeface="Oxygen" panose="02000503000000000000" pitchFamily="2" charset="0"/>
+            </a:endParaRPr>
+          </a:p>
+        </p:txBody>
+      </p:sp>
+      <p:sp>
+        <p:nvSpPr>
+          <p:cNvPr id="27" name="Freeform: Shape 26">
+            <a:extLst>
+              <a:ext uri="{FF2B5EF4-FFF2-40B4-BE49-F238E27FC236}">
+                <a16:creationId xmlns:a16="http://schemas.microsoft.com/office/drawing/2014/main" id="{72BFE888-F23A-4A9E-9FED-1E519B252B0F}"/>
+              </a:ext>
+            </a:extLst>
+          </p:cNvPr>
+          <p:cNvSpPr/>
+          <p:nvPr/>
+        </p:nvSpPr>
+        <p:spPr>
+          <a:xfrm>
+            <a:off x="6027919" y="3486490"/>
+            <a:ext cx="248888" cy="160489"/>
+          </a:xfrm>
+          <a:custGeom>
+            <a:avLst/>
+            <a:gdLst>
+              <a:gd name="connsiteX0" fmla="*/ 14525 w 273777"/>
+              <a:gd name="connsiteY0" fmla="*/ 476 h 194191"/>
+              <a:gd name="connsiteX1" fmla="*/ 138969 w 273777"/>
+              <a:gd name="connsiteY1" fmla="*/ 124139 h 194191"/>
+              <a:gd name="connsiteX2" fmla="*/ 263413 w 273777"/>
+              <a:gd name="connsiteY2" fmla="*/ 476 h 194191"/>
+              <a:gd name="connsiteX3" fmla="*/ 0 w 273777"/>
+              <a:gd name="connsiteY3" fmla="*/ 0 h 194191"/>
+              <a:gd name="connsiteX4" fmla="*/ 273777 w 273777"/>
+              <a:gd name="connsiteY4" fmla="*/ 0 h 194191"/>
+              <a:gd name="connsiteX5" fmla="*/ 273777 w 273777"/>
+              <a:gd name="connsiteY5" fmla="*/ 194191 h 194191"/>
+              <a:gd name="connsiteX6" fmla="*/ 0 w 273777"/>
+              <a:gd name="connsiteY6" fmla="*/ 194191 h 194191"/>
+            </a:gdLst>
+            <a:ahLst/>
+            <a:cxnLst>
+              <a:cxn ang="0">
+                <a:pos x="connsiteX0" y="connsiteY0"/>
+              </a:cxn>
+              <a:cxn ang="0">
+                <a:pos x="connsiteX1" y="connsiteY1"/>
+              </a:cxn>
+              <a:cxn ang="0">
+                <a:pos x="connsiteX2" y="connsiteY2"/>
+              </a:cxn>
+              <a:cxn ang="0">
+                <a:pos x="connsiteX3" y="connsiteY3"/>
+              </a:cxn>
+              <a:cxn ang="0">
+                <a:pos x="connsiteX4" y="connsiteY4"/>
+              </a:cxn>
+              <a:cxn ang="0">
+                <a:pos x="connsiteX5" y="connsiteY5"/>
+              </a:cxn>
+              <a:cxn ang="0">
+                <a:pos x="connsiteX6" y="connsiteY6"/>
+              </a:cxn>
+            </a:cxnLst>
+            <a:rect l="l" t="t" r="r" b="b"/>
+            <a:pathLst>
+              <a:path w="273777" h="194191">
+                <a:moveTo>
+                  <a:pt x="14525" y="476"/>
+                </a:moveTo>
+                <a:lnTo>
+                  <a:pt x="138969" y="124139"/>
+                </a:lnTo>
+                <a:lnTo>
+                  <a:pt x="263413" y="476"/>
+                </a:lnTo>
+                <a:close/>
+                <a:moveTo>
+                  <a:pt x="0" y="0"/>
+                </a:moveTo>
+                <a:lnTo>
+                  <a:pt x="273777" y="0"/>
+                </a:lnTo>
+                <a:lnTo>
+                  <a:pt x="273777" y="194191"/>
+                </a:lnTo>
+                <a:lnTo>
+                  <a:pt x="0" y="194191"/>
+                </a:lnTo>
+                <a:close/>
+              </a:path>
+            </a:pathLst>
+          </a:custGeom>
+          <a:solidFill>
+            <a:srgbClr val="FF8C52"/>
+          </a:solidFill>
+          <a:ln>
+            <a:noFill/>
+          </a:ln>
+        </p:spPr>
+        <p:style>
+          <a:lnRef idx="2">
+            <a:schemeClr val="accent1">
+              <a:shade val="50000"/>
+            </a:schemeClr>
+          </a:lnRef>
+          <a:fillRef idx="1">
+            <a:schemeClr val="accent1"/>
+          </a:fillRef>
+          <a:effectRef idx="0">
+            <a:schemeClr val="accent1"/>
+          </a:effectRef>
+          <a:fontRef idx="minor">
+            <a:schemeClr val="lt1"/>
+          </a:fontRef>
+        </p:style>
+        <p:txBody>
+          <a:bodyPr wrap="square" rtlCol="0" anchor="ctr">
+            <a:noAutofit/>
+          </a:bodyPr>
+          <a:lstStyle/>
+          <a:p>
+            <a:pPr algn="ctr"/>
+            <a:endParaRPr lang="en-AU"/>
+          </a:p>
+        </p:txBody>
+      </p:sp>
+      <p:pic>
+        <p:nvPicPr>
+          <p:cNvPr id="28" name="Picture 27">
+            <a:extLst>
+              <a:ext uri="{FF2B5EF4-FFF2-40B4-BE49-F238E27FC236}">
+                <a16:creationId xmlns:a16="http://schemas.microsoft.com/office/drawing/2014/main" id="{F3DEC334-2423-48CF-8151-B1C297BDC4E4}"/>
+              </a:ext>
+            </a:extLst>
+          </p:cNvPr>
+          <p:cNvPicPr>
+            <a:picLocks noChangeAspect="1"/>
+          </p:cNvPicPr>
+          <p:nvPr/>
+        </p:nvPicPr>
+        <p:blipFill>
+          <a:blip r:embed="rId2"/>
+          <a:stretch>
+            <a:fillRect/>
+          </a:stretch>
+        </p:blipFill>
+        <p:spPr>
+          <a:xfrm>
+            <a:off x="5979674" y="3871255"/>
+            <a:ext cx="313738" cy="310434"/>
+          </a:xfrm>
+          <a:prstGeom prst="rect">
+            <a:avLst/>
+          </a:prstGeom>
+        </p:spPr>
+      </p:pic>
+      <p:pic>
+        <p:nvPicPr>
+          <p:cNvPr id="29" name="Picture 28">
+            <a:extLst>
+              <a:ext uri="{FF2B5EF4-FFF2-40B4-BE49-F238E27FC236}">
+                <a16:creationId xmlns:a16="http://schemas.microsoft.com/office/drawing/2014/main" id="{DC10440A-064F-42E6-9CD6-32E8D2800483}"/>
+              </a:ext>
+            </a:extLst>
+          </p:cNvPr>
+          <p:cNvPicPr>
+            <a:picLocks noChangeAspect="1"/>
+          </p:cNvPicPr>
+          <p:nvPr/>
+        </p:nvPicPr>
+        <p:blipFill>
+          <a:blip r:embed="rId3"/>
+          <a:stretch>
+            <a:fillRect/>
+          </a:stretch>
+        </p:blipFill>
+        <p:spPr>
+          <a:xfrm>
+            <a:off x="6080176" y="5361385"/>
+            <a:ext cx="230977" cy="230977"/>
+          </a:xfrm>
+          <a:prstGeom prst="rect">
+            <a:avLst/>
+          </a:prstGeom>
+        </p:spPr>
+      </p:pic>
+      <p:grpSp>
+        <p:nvGrpSpPr>
+          <p:cNvPr id="3" name="Group 2">
+            <a:extLst>
+              <a:ext uri="{FF2B5EF4-FFF2-40B4-BE49-F238E27FC236}">
+                <a16:creationId xmlns:a16="http://schemas.microsoft.com/office/drawing/2014/main" id="{7539D376-E4C7-D1EF-A948-45D1CA6B58C9}"/>
+              </a:ext>
+            </a:extLst>
+          </p:cNvPr>
+          <p:cNvGrpSpPr/>
+          <p:nvPr/>
+        </p:nvGrpSpPr>
+        <p:grpSpPr>
+          <a:xfrm>
+            <a:off x="2226833" y="4434741"/>
+            <a:ext cx="2990851" cy="1259907"/>
+            <a:chOff x="4600575" y="2600315"/>
+            <a:chExt cx="2990850" cy="1385897"/>
+          </a:xfrm>
+        </p:grpSpPr>
+        <p:pic>
+          <p:nvPicPr>
+            <p:cNvPr id="4" name="Picture 3">
+              <a:extLst>
+                <a:ext uri="{FF2B5EF4-FFF2-40B4-BE49-F238E27FC236}">
+                  <a16:creationId xmlns:a16="http://schemas.microsoft.com/office/drawing/2014/main" id="{08E85609-4685-EC11-4179-81E16342B51B}"/>
+                </a:ext>
+              </a:extLst>
+            </p:cNvPr>
+            <p:cNvPicPr>
+              <a:picLocks noChangeAspect="1"/>
+            </p:cNvPicPr>
+            <p:nvPr/>
+          </p:nvPicPr>
+          <p:blipFill>
+            <a:blip r:embed="rId4"/>
+            <a:stretch>
+              <a:fillRect/>
+            </a:stretch>
+          </p:blipFill>
+          <p:spPr>
+            <a:xfrm>
+              <a:off x="4600575" y="2871787"/>
+              <a:ext cx="2990850" cy="1114425"/>
+            </a:xfrm>
+            <a:prstGeom prst="rect">
+              <a:avLst/>
+            </a:prstGeom>
+          </p:spPr>
+        </p:pic>
+        <p:sp>
+          <p:nvSpPr>
+            <p:cNvPr id="5" name="Freeform 9">
+              <a:extLst>
+                <a:ext uri="{FF2B5EF4-FFF2-40B4-BE49-F238E27FC236}">
+                  <a16:creationId xmlns:a16="http://schemas.microsoft.com/office/drawing/2014/main" id="{D261F23D-2406-1A9B-3EAA-0EEC4D6AF747}"/>
+                </a:ext>
+              </a:extLst>
+            </p:cNvPr>
+            <p:cNvSpPr/>
+            <p:nvPr/>
+          </p:nvSpPr>
+          <p:spPr>
+            <a:xfrm>
+              <a:off x="4739363" y="2600315"/>
+              <a:ext cx="971569" cy="971569"/>
+            </a:xfrm>
+            <a:custGeom>
+              <a:avLst/>
+              <a:gdLst>
+                <a:gd name="connsiteX0" fmla="*/ 1080000 w 2160000"/>
+                <a:gd name="connsiteY0" fmla="*/ 0 h 2160000"/>
+                <a:gd name="connsiteX1" fmla="*/ 2154424 w 2160000"/>
+                <a:gd name="connsiteY1" fmla="*/ 969576 h 2160000"/>
+                <a:gd name="connsiteX2" fmla="*/ 2157027 w 2160000"/>
+                <a:gd name="connsiteY2" fmla="*/ 1021127 h 2160000"/>
+                <a:gd name="connsiteX3" fmla="*/ 2159999 w 2160000"/>
+                <a:gd name="connsiteY3" fmla="*/ 1021127 h 2160000"/>
+                <a:gd name="connsiteX4" fmla="*/ 2159999 w 2160000"/>
+                <a:gd name="connsiteY4" fmla="*/ 1079980 h 2160000"/>
+                <a:gd name="connsiteX5" fmla="*/ 2160000 w 2160000"/>
+                <a:gd name="connsiteY5" fmla="*/ 1080000 h 2160000"/>
+                <a:gd name="connsiteX6" fmla="*/ 2159999 w 2160000"/>
+                <a:gd name="connsiteY6" fmla="*/ 1080021 h 2160000"/>
+                <a:gd name="connsiteX7" fmla="*/ 2159999 w 2160000"/>
+                <a:gd name="connsiteY7" fmla="*/ 1716639 h 2160000"/>
+                <a:gd name="connsiteX8" fmla="*/ 2157838 w 2160000"/>
+                <a:gd name="connsiteY8" fmla="*/ 1716639 h 2160000"/>
+                <a:gd name="connsiteX9" fmla="*/ 2160000 w 2160000"/>
+                <a:gd name="connsiteY9" fmla="*/ 1738544 h 2160000"/>
+                <a:gd name="connsiteX10" fmla="*/ 1891921 w 2160000"/>
+                <a:gd name="connsiteY10" fmla="*/ 2012333 h 2160000"/>
+                <a:gd name="connsiteX11" fmla="*/ 1623842 w 2160000"/>
+                <a:gd name="connsiteY11" fmla="*/ 1738544 h 2160000"/>
+                <a:gd name="connsiteX12" fmla="*/ 1626005 w 2160000"/>
+                <a:gd name="connsiteY12" fmla="*/ 1716639 h 2160000"/>
+                <a:gd name="connsiteX13" fmla="*/ 1620298 w 2160000"/>
+                <a:gd name="connsiteY13" fmla="*/ 1716639 h 2160000"/>
+                <a:gd name="connsiteX14" fmla="*/ 1620298 w 2160000"/>
+                <a:gd name="connsiteY14" fmla="*/ 1090950 h 2160000"/>
+                <a:gd name="connsiteX15" fmla="*/ 1618898 w 2160000"/>
+                <a:gd name="connsiteY15" fmla="*/ 1090937 h 2160000"/>
+                <a:gd name="connsiteX16" fmla="*/ 1620000 w 2160000"/>
+                <a:gd name="connsiteY16" fmla="*/ 1080000 h 2160000"/>
+                <a:gd name="connsiteX17" fmla="*/ 1080000 w 2160000"/>
+                <a:gd name="connsiteY17" fmla="*/ 540000 h 2160000"/>
+                <a:gd name="connsiteX18" fmla="*/ 540000 w 2160000"/>
+                <a:gd name="connsiteY18" fmla="*/ 1080000 h 2160000"/>
+                <a:gd name="connsiteX19" fmla="*/ 1080000 w 2160000"/>
+                <a:gd name="connsiteY19" fmla="*/ 1620000 h 2160000"/>
+                <a:gd name="connsiteX20" fmla="*/ 1172144 w 2160000"/>
+                <a:gd name="connsiteY20" fmla="*/ 1610711 h 2160000"/>
+                <a:gd name="connsiteX21" fmla="*/ 1192722 w 2160000"/>
+                <a:gd name="connsiteY21" fmla="*/ 1599542 h 2160000"/>
+                <a:gd name="connsiteX22" fmla="*/ 1205334 w 2160000"/>
+                <a:gd name="connsiteY22" fmla="*/ 1595627 h 2160000"/>
+                <a:gd name="connsiteX23" fmla="*/ 1218649 w 2160000"/>
+                <a:gd name="connsiteY23" fmla="*/ 1594482 h 2160000"/>
+                <a:gd name="connsiteX24" fmla="*/ 1273176 w 2160000"/>
+                <a:gd name="connsiteY24" fmla="*/ 1581875 h 2160000"/>
+                <a:gd name="connsiteX25" fmla="*/ 1277433 w 2160000"/>
+                <a:gd name="connsiteY25" fmla="*/ 1580379 h 2160000"/>
+                <a:gd name="connsiteX26" fmla="*/ 1297818 w 2160000"/>
+                <a:gd name="connsiteY26" fmla="*/ 1578324 h 2160000"/>
+                <a:gd name="connsiteX27" fmla="*/ 1567818 w 2160000"/>
+                <a:gd name="connsiteY27" fmla="*/ 1848324 h 2160000"/>
+                <a:gd name="connsiteX28" fmla="*/ 1469563 w 2160000"/>
+                <a:gd name="connsiteY28" fmla="*/ 2056669 h 2160000"/>
+                <a:gd name="connsiteX29" fmla="*/ 1412948 w 2160000"/>
+                <a:gd name="connsiteY29" fmla="*/ 2091019 h 2160000"/>
+                <a:gd name="connsiteX30" fmla="*/ 1398272 w 2160000"/>
+                <a:gd name="connsiteY30" fmla="*/ 2101498 h 2160000"/>
+                <a:gd name="connsiteX31" fmla="*/ 1374464 w 2160000"/>
+                <a:gd name="connsiteY31" fmla="*/ 2110955 h 2160000"/>
+                <a:gd name="connsiteX32" fmla="*/ 1376211 w 2160000"/>
+                <a:gd name="connsiteY32" fmla="*/ 2117860 h 2160000"/>
+                <a:gd name="connsiteX33" fmla="*/ 1321962 w 2160000"/>
+                <a:gd name="connsiteY33" fmla="*/ 2131809 h 2160000"/>
+                <a:gd name="connsiteX34" fmla="*/ 1306247 w 2160000"/>
+                <a:gd name="connsiteY34" fmla="*/ 2138051 h 2160000"/>
+                <a:gd name="connsiteX35" fmla="*/ 1267530 w 2160000"/>
+                <a:gd name="connsiteY35" fmla="*/ 2142656 h 2160000"/>
+                <a:gd name="connsiteX36" fmla="*/ 1190424 w 2160000"/>
+                <a:gd name="connsiteY36" fmla="*/ 2154424 h 2160000"/>
+                <a:gd name="connsiteX37" fmla="*/ 1080000 w 2160000"/>
+                <a:gd name="connsiteY37" fmla="*/ 2160000 h 2160000"/>
+                <a:gd name="connsiteX38" fmla="*/ 0 w 2160000"/>
+                <a:gd name="connsiteY38" fmla="*/ 1080000 h 2160000"/>
+                <a:gd name="connsiteX39" fmla="*/ 1080000 w 2160000"/>
+                <a:gd name="connsiteY39" fmla="*/ 0 h 2160000"/>
+              </a:gdLst>
+              <a:ahLst/>
+              <a:cxnLst>
+                <a:cxn ang="0">
+                  <a:pos x="connsiteX0" y="connsiteY0"/>
+                </a:cxn>
+                <a:cxn ang="0">
+                  <a:pos x="connsiteX1" y="connsiteY1"/>
+                </a:cxn>
+                <a:cxn ang="0">
+                  <a:pos x="connsiteX2" y="connsiteY2"/>
+                </a:cxn>
+                <a:cxn ang="0">
+                  <a:pos x="connsiteX3" y="connsiteY3"/>
+                </a:cxn>
+                <a:cxn ang="0">
+                  <a:pos x="connsiteX4" y="connsiteY4"/>
+                </a:cxn>
+                <a:cxn ang="0">
+                  <a:pos x="connsiteX5" y="connsiteY5"/>
+                </a:cxn>
+                <a:cxn ang="0">
+                  <a:pos x="connsiteX6" y="connsiteY6"/>
+                </a:cxn>
+                <a:cxn ang="0">
+                  <a:pos x="connsiteX7" y="connsiteY7"/>
+                </a:cxn>
+                <a:cxn ang="0">
+                  <a:pos x="connsiteX8" y="connsiteY8"/>
+                </a:cxn>
+                <a:cxn ang="0">
+                  <a:pos x="connsiteX9" y="connsiteY9"/>
+                </a:cxn>
+                <a:cxn ang="0">
+                  <a:pos x="connsiteX10" y="connsiteY10"/>
+                </a:cxn>
+                <a:cxn ang="0">
+                  <a:pos x="connsiteX11" y="connsiteY11"/>
+                </a:cxn>
+                <a:cxn ang="0">
+                  <a:pos x="connsiteX12" y="connsiteY12"/>
+                </a:cxn>
+                <a:cxn ang="0">
+                  <a:pos x="connsiteX13" y="connsiteY13"/>
+                </a:cxn>
+                <a:cxn ang="0">
+                  <a:pos x="connsiteX14" y="connsiteY14"/>
+                </a:cxn>
+                <a:cxn ang="0">
+                  <a:pos x="connsiteX15" y="connsiteY15"/>
+                </a:cxn>
+                <a:cxn ang="0">
+                  <a:pos x="connsiteX16" y="connsiteY16"/>
+                </a:cxn>
+                <a:cxn ang="0">
+                  <a:pos x="connsiteX17" y="connsiteY17"/>
+                </a:cxn>
+                <a:cxn ang="0">
+                  <a:pos x="connsiteX18" y="connsiteY18"/>
+                </a:cxn>
+                <a:cxn ang="0">
+                  <a:pos x="connsiteX19" y="connsiteY19"/>
+                </a:cxn>
+                <a:cxn ang="0">
+                  <a:pos x="connsiteX20" y="connsiteY20"/>
+                </a:cxn>
+                <a:cxn ang="0">
+                  <a:pos x="connsiteX21" y="connsiteY21"/>
+                </a:cxn>
+                <a:cxn ang="0">
+                  <a:pos x="connsiteX22" y="connsiteY22"/>
+                </a:cxn>
+                <a:cxn ang="0">
+                  <a:pos x="connsiteX23" y="connsiteY23"/>
+                </a:cxn>
+                <a:cxn ang="0">
+                  <a:pos x="connsiteX24" y="connsiteY24"/>
+                </a:cxn>
+                <a:cxn ang="0">
+                  <a:pos x="connsiteX25" y="connsiteY25"/>
+                </a:cxn>
+                <a:cxn ang="0">
+                  <a:pos x="connsiteX26" y="connsiteY26"/>
+                </a:cxn>
+                <a:cxn ang="0">
+                  <a:pos x="connsiteX27" y="connsiteY27"/>
+                </a:cxn>
+                <a:cxn ang="0">
+                  <a:pos x="connsiteX28" y="connsiteY28"/>
+                </a:cxn>
+                <a:cxn ang="0">
+                  <a:pos x="connsiteX29" y="connsiteY29"/>
+                </a:cxn>
+                <a:cxn ang="0">
+                  <a:pos x="connsiteX30" y="connsiteY30"/>
+                </a:cxn>
+                <a:cxn ang="0">
+                  <a:pos x="connsiteX31" y="connsiteY31"/>
+                </a:cxn>
+                <a:cxn ang="0">
+                  <a:pos x="connsiteX32" y="connsiteY32"/>
+                </a:cxn>
+                <a:cxn ang="0">
+                  <a:pos x="connsiteX33" y="connsiteY33"/>
+                </a:cxn>
+                <a:cxn ang="0">
+                  <a:pos x="connsiteX34" y="connsiteY34"/>
+                </a:cxn>
+                <a:cxn ang="0">
+                  <a:pos x="connsiteX35" y="connsiteY35"/>
+                </a:cxn>
+                <a:cxn ang="0">
+                  <a:pos x="connsiteX36" y="connsiteY36"/>
+                </a:cxn>
+                <a:cxn ang="0">
+                  <a:pos x="connsiteX37" y="connsiteY37"/>
+                </a:cxn>
+                <a:cxn ang="0">
+                  <a:pos x="connsiteX38" y="connsiteY38"/>
+                </a:cxn>
+                <a:cxn ang="0">
+                  <a:pos x="connsiteX39" y="connsiteY39"/>
+                </a:cxn>
+              </a:cxnLst>
+              <a:rect l="l" t="t" r="r" b="b"/>
+              <a:pathLst>
+                <a:path w="2160000" h="2160000">
+                  <a:moveTo>
+                    <a:pt x="1080000" y="0"/>
+                  </a:moveTo>
+                  <a:cubicBezTo>
+                    <a:pt x="1639189" y="0"/>
+                    <a:pt x="2099117" y="424979"/>
+                    <a:pt x="2154424" y="969576"/>
+                  </a:cubicBezTo>
+                  <a:lnTo>
+                    <a:pt x="2157027" y="1021127"/>
+                  </a:lnTo>
+                  <a:lnTo>
+                    <a:pt x="2159999" y="1021127"/>
+                  </a:lnTo>
+                  <a:lnTo>
+                    <a:pt x="2159999" y="1079980"/>
+                  </a:lnTo>
+                  <a:lnTo>
+                    <a:pt x="2160000" y="1080000"/>
+                  </a:lnTo>
+                  <a:lnTo>
+                    <a:pt x="2159999" y="1080021"/>
+                  </a:lnTo>
+                  <a:lnTo>
+                    <a:pt x="2159999" y="1716639"/>
+                  </a:lnTo>
+                  <a:lnTo>
+                    <a:pt x="2157838" y="1716639"/>
+                  </a:lnTo>
+                  <a:lnTo>
+                    <a:pt x="2160000" y="1738544"/>
+                  </a:lnTo>
+                  <a:cubicBezTo>
+                    <a:pt x="2160000" y="1889753"/>
+                    <a:pt x="2039977" y="2012333"/>
+                    <a:pt x="1891921" y="2012333"/>
+                  </a:cubicBezTo>
+                  <a:cubicBezTo>
+                    <a:pt x="1743865" y="2012333"/>
+                    <a:pt x="1623842" y="1889753"/>
+                    <a:pt x="1623842" y="1738544"/>
+                  </a:cubicBezTo>
+                  <a:lnTo>
+                    <a:pt x="1626005" y="1716639"/>
+                  </a:lnTo>
+                  <a:lnTo>
+                    <a:pt x="1620298" y="1716639"/>
+                  </a:lnTo>
+                  <a:lnTo>
+                    <a:pt x="1620298" y="1090950"/>
+                  </a:lnTo>
+                  <a:lnTo>
+                    <a:pt x="1618898" y="1090937"/>
+                  </a:lnTo>
+                  <a:lnTo>
+                    <a:pt x="1620000" y="1080000"/>
+                  </a:lnTo>
+                  <a:cubicBezTo>
+                    <a:pt x="1620000" y="781766"/>
+                    <a:pt x="1378234" y="540000"/>
+                    <a:pt x="1080000" y="540000"/>
+                  </a:cubicBezTo>
+                  <a:cubicBezTo>
+                    <a:pt x="781766" y="540000"/>
+                    <a:pt x="540000" y="781766"/>
+                    <a:pt x="540000" y="1080000"/>
+                  </a:cubicBezTo>
+                  <a:cubicBezTo>
+                    <a:pt x="540000" y="1378234"/>
+                    <a:pt x="781766" y="1620000"/>
+                    <a:pt x="1080000" y="1620000"/>
+                  </a:cubicBezTo>
+                  <a:lnTo>
+                    <a:pt x="1172144" y="1610711"/>
+                  </a:lnTo>
+                  <a:lnTo>
+                    <a:pt x="1192722" y="1599542"/>
+                  </a:lnTo>
+                  <a:lnTo>
+                    <a:pt x="1205334" y="1595627"/>
+                  </a:lnTo>
+                  <a:lnTo>
+                    <a:pt x="1218649" y="1594482"/>
+                  </a:lnTo>
+                  <a:cubicBezTo>
+                    <a:pt x="1237851" y="1591023"/>
+                    <a:pt x="1256099" y="1586790"/>
+                    <a:pt x="1273176" y="1581875"/>
+                  </a:cubicBezTo>
+                  <a:lnTo>
+                    <a:pt x="1277433" y="1580379"/>
+                  </a:lnTo>
+                  <a:lnTo>
+                    <a:pt x="1297818" y="1578324"/>
+                  </a:lnTo>
+                  <a:cubicBezTo>
+                    <a:pt x="1446935" y="1578324"/>
+                    <a:pt x="1567818" y="1699207"/>
+                    <a:pt x="1567818" y="1848324"/>
+                  </a:cubicBezTo>
+                  <a:cubicBezTo>
+                    <a:pt x="1567818" y="1932202"/>
+                    <a:pt x="1529570" y="2007147"/>
+                    <a:pt x="1469563" y="2056669"/>
+                  </a:cubicBezTo>
+                  <a:lnTo>
+                    <a:pt x="1412948" y="2091019"/>
+                  </a:lnTo>
+                  <a:lnTo>
+                    <a:pt x="1398272" y="2101498"/>
+                  </a:lnTo>
+                  <a:lnTo>
+                    <a:pt x="1374464" y="2110955"/>
+                  </a:lnTo>
+                  <a:lnTo>
+                    <a:pt x="1376211" y="2117860"/>
+                  </a:lnTo>
+                  <a:lnTo>
+                    <a:pt x="1321962" y="2131809"/>
+                  </a:lnTo>
+                  <a:lnTo>
+                    <a:pt x="1306247" y="2138051"/>
+                  </a:lnTo>
+                  <a:lnTo>
+                    <a:pt x="1267530" y="2142656"/>
+                  </a:lnTo>
+                  <a:lnTo>
+                    <a:pt x="1190424" y="2154424"/>
+                  </a:lnTo>
+                  <a:cubicBezTo>
+                    <a:pt x="1154118" y="2158111"/>
+                    <a:pt x="1117280" y="2160000"/>
+                    <a:pt x="1080000" y="2160000"/>
+                  </a:cubicBezTo>
+                  <a:cubicBezTo>
+                    <a:pt x="483532" y="2160000"/>
+                    <a:pt x="0" y="1676468"/>
+                    <a:pt x="0" y="1080000"/>
+                  </a:cubicBezTo>
+                  <a:cubicBezTo>
+                    <a:pt x="0" y="483532"/>
+                    <a:pt x="483532" y="0"/>
+                    <a:pt x="1080000" y="0"/>
+                  </a:cubicBezTo>
+                  <a:close/>
+                </a:path>
+              </a:pathLst>
+            </a:custGeom>
+            <a:solidFill>
+              <a:srgbClr val="FF8C52"/>
+            </a:solidFill>
+            <a:ln>
+              <a:solidFill>
+                <a:srgbClr val="FF8C52"/>
+              </a:solidFill>
+            </a:ln>
+          </p:spPr>
+          <p:style>
+            <a:lnRef idx="2">
+              <a:schemeClr val="accent1">
+                <a:shade val="50000"/>
+              </a:schemeClr>
+            </a:lnRef>
+            <a:fillRef idx="1">
+              <a:schemeClr val="accent1"/>
+            </a:fillRef>
+            <a:effectRef idx="0">
+              <a:schemeClr val="accent1"/>
+            </a:effectRef>
+            <a:fontRef idx="minor">
+              <a:schemeClr val="lt1"/>
+            </a:fontRef>
+          </p:style>
+          <p:txBody>
+            <a:bodyPr rtlCol="0" anchor="ctr"/>
+            <a:lstStyle/>
+            <a:p>
+              <a:pPr algn="ctr"/>
+              <a:endParaRPr lang="en-AU" dirty="0">
+                <a:latin typeface="Oxygen" panose="02000503000000000000" pitchFamily="2" charset="0"/>
+              </a:endParaRPr>
+            </a:p>
+          </p:txBody>
+        </p:sp>
+      </p:grpSp>
+      <p:pic>
+        <p:nvPicPr>
+          <p:cNvPr id="8" name="Picture 7">
+            <a:extLst>
+              <a:ext uri="{FF2B5EF4-FFF2-40B4-BE49-F238E27FC236}">
+                <a16:creationId xmlns:a16="http://schemas.microsoft.com/office/drawing/2014/main" id="{73CDF906-3A3A-3136-E4FA-41F80F2393EC}"/>
+              </a:ext>
+            </a:extLst>
+          </p:cNvPr>
+          <p:cNvPicPr>
+            <a:picLocks noChangeAspect="1"/>
+          </p:cNvPicPr>
+          <p:nvPr/>
+        </p:nvPicPr>
+        <p:blipFill>
+          <a:blip r:embed="rId5"/>
+          <a:stretch>
+            <a:fillRect/>
+          </a:stretch>
+        </p:blipFill>
+        <p:spPr>
+          <a:xfrm>
+            <a:off x="2760036" y="2391502"/>
+            <a:ext cx="1990933" cy="2001303"/>
+          </a:xfrm>
+          <a:prstGeom prst="rect">
+            <a:avLst/>
+          </a:prstGeom>
+        </p:spPr>
+      </p:pic>
+      <p:sp>
+        <p:nvSpPr>
+          <p:cNvPr id="6" name="Rectangle 5">
+            <a:extLst>
+              <a:ext uri="{FF2B5EF4-FFF2-40B4-BE49-F238E27FC236}">
+                <a16:creationId xmlns:a16="http://schemas.microsoft.com/office/drawing/2014/main" id="{AC87EB6F-2AA1-DD5A-E3E3-3F7D001A308D}"/>
+              </a:ext>
+            </a:extLst>
+          </p:cNvPr>
+          <p:cNvSpPr/>
+          <p:nvPr/>
+        </p:nvSpPr>
+        <p:spPr>
+          <a:xfrm>
+            <a:off x="2725855" y="2330560"/>
+            <a:ext cx="2061114" cy="2061580"/>
+          </a:xfrm>
+          <a:prstGeom prst="rect">
+            <a:avLst/>
+          </a:prstGeom>
+          <a:gradFill>
+            <a:gsLst>
+              <a:gs pos="70000">
+                <a:srgbClr val="FFFFFF"/>
+              </a:gs>
+              <a:gs pos="62000">
+                <a:schemeClr val="bg1">
+                  <a:alpha val="0"/>
+                </a:schemeClr>
+              </a:gs>
+            </a:gsLst>
+            <a:path path="circle">
+              <a:fillToRect l="50000" t="50000" r="50000" b="50000"/>
+            </a:path>
+          </a:gradFill>
+          <a:ln>
+            <a:noFill/>
+          </a:ln>
+        </p:spPr>
+        <p:style>
+          <a:lnRef idx="2">
+            <a:schemeClr val="accent1">
+              <a:shade val="50000"/>
+            </a:schemeClr>
+          </a:lnRef>
+          <a:fillRef idx="1">
+            <a:schemeClr val="accent1"/>
+          </a:fillRef>
+          <a:effectRef idx="0">
+            <a:schemeClr val="accent1"/>
+          </a:effectRef>
+          <a:fontRef idx="minor">
+            <a:schemeClr val="lt1"/>
+          </a:fontRef>
+        </p:style>
+        <p:txBody>
+          <a:bodyPr rtlCol="0" anchor="ctr"/>
+          <a:lstStyle/>
+          <a:p>
+            <a:pPr algn="ctr"/>
+            <a:endParaRPr lang="en-AU"/>
+          </a:p>
+        </p:txBody>
+      </p:sp>
+    </p:spTree>
+    <p:extLst>
+      <p:ext uri="{BB962C8B-B14F-4D97-AF65-F5344CB8AC3E}">
+        <p14:creationId xmlns:p14="http://schemas.microsoft.com/office/powerpoint/2010/main" val="893189530"/>
       </p:ext>
     </p:extLst>
   </p:cSld>
